--- a/ppt/2.2循环.pptx
+++ b/ppt/2.2循环.pptx
@@ -5,7 +5,7 @@
     <p:sldMasterId id="2147483648" r:id="rId1"/>
   </p:sldMasterIdLst>
   <p:notesMasterIdLst>
-    <p:notesMasterId r:id="rId18"/>
+    <p:notesMasterId r:id="rId12"/>
   </p:notesMasterIdLst>
   <p:sldIdLst>
     <p:sldId id="258" r:id="rId2"/>
@@ -15,15 +15,9 @@
     <p:sldId id="289" r:id="rId6"/>
     <p:sldId id="282" r:id="rId7"/>
     <p:sldId id="292" r:id="rId8"/>
-    <p:sldId id="283" r:id="rId9"/>
-    <p:sldId id="290" r:id="rId10"/>
-    <p:sldId id="291" r:id="rId11"/>
-    <p:sldId id="286" r:id="rId12"/>
-    <p:sldId id="268" r:id="rId13"/>
-    <p:sldId id="293" r:id="rId14"/>
-    <p:sldId id="294" r:id="rId15"/>
-    <p:sldId id="279" r:id="rId16"/>
-    <p:sldId id="295" r:id="rId17"/>
+    <p:sldId id="279" r:id="rId9"/>
+    <p:sldId id="296" r:id="rId10"/>
+    <p:sldId id="295" r:id="rId11"/>
   </p:sldIdLst>
   <p:sldSz cx="12192000" cy="6858000"/>
   <p:notesSz cx="6858000" cy="9144000"/>
@@ -138,14 +132,8 @@
             <p14:sldId id="289"/>
             <p14:sldId id="282"/>
             <p14:sldId id="292"/>
-            <p14:sldId id="283"/>
-            <p14:sldId id="290"/>
-            <p14:sldId id="291"/>
-            <p14:sldId id="286"/>
-            <p14:sldId id="268"/>
-            <p14:sldId id="293"/>
-            <p14:sldId id="294"/>
             <p14:sldId id="279"/>
+            <p14:sldId id="296"/>
             <p14:sldId id="295"/>
           </p14:sldIdLst>
         </p14:section>
@@ -591,621 +579,6 @@
 </p:notes>
 </file>
 
-<file path=ppt/notesSlides/notesSlide10.xml><?xml version="1.0" encoding="utf-8"?>
-<p:notes xmlns:a="http://schemas.openxmlformats.org/drawingml/2006/main" xmlns:r="http://schemas.openxmlformats.org/officeDocument/2006/relationships" xmlns:p="http://schemas.openxmlformats.org/presentationml/2006/main">
-  <p:cSld>
-    <p:spTree>
-      <p:nvGrpSpPr>
-        <p:cNvPr id="1" name=""/>
-        <p:cNvGrpSpPr/>
-        <p:nvPr/>
-      </p:nvGrpSpPr>
-      <p:grpSpPr>
-        <a:xfrm>
-          <a:off x="0" y="0"/>
-          <a:ext cx="0" cy="0"/>
-          <a:chOff x="0" y="0"/>
-          <a:chExt cx="0" cy="0"/>
-        </a:xfrm>
-      </p:grpSpPr>
-      <p:sp>
-        <p:nvSpPr>
-          <p:cNvPr id="2" name="幻灯片图像占位符 1"/>
-          <p:cNvSpPr>
-            <a:spLocks noGrp="1" noRot="1" noChangeAspect="1"/>
-          </p:cNvSpPr>
-          <p:nvPr>
-            <p:ph type="sldImg"/>
-          </p:nvPr>
-        </p:nvSpPr>
-        <p:spPr/>
-      </p:sp>
-      <p:sp>
-        <p:nvSpPr>
-          <p:cNvPr id="3" name="备注占位符 2"/>
-          <p:cNvSpPr>
-            <a:spLocks noGrp="1"/>
-          </p:cNvSpPr>
-          <p:nvPr>
-            <p:ph type="body" idx="1"/>
-          </p:nvPr>
-        </p:nvSpPr>
-        <p:spPr/>
-        <p:txBody>
-          <a:bodyPr/>
-          <a:lstStyle/>
-          <a:p>
-            <a:r>
-              <a:rPr kumimoji="1" lang="zh-CN" altLang="en-US" dirty="0"/>
-              <a:t>有例子</a:t>
-            </a:r>
-          </a:p>
-        </p:txBody>
-      </p:sp>
-      <p:sp>
-        <p:nvSpPr>
-          <p:cNvPr id="4" name="灯片编号占位符 3"/>
-          <p:cNvSpPr>
-            <a:spLocks noGrp="1"/>
-          </p:cNvSpPr>
-          <p:nvPr>
-            <p:ph type="sldNum" sz="quarter" idx="5"/>
-          </p:nvPr>
-        </p:nvSpPr>
-        <p:spPr/>
-        <p:txBody>
-          <a:bodyPr/>
-          <a:lstStyle/>
-          <a:p>
-            <a:fld id="{0F8E57A1-C481-6944-857F-EAC8E932B5ED}" type="slidenum">
-              <a:rPr kumimoji="1" lang="zh-CN" altLang="en-US" smtClean="0"/>
-              <a:t>11</a:t>
-            </a:fld>
-            <a:endParaRPr kumimoji="1" lang="zh-CN" altLang="en-US"/>
-          </a:p>
-        </p:txBody>
-      </p:sp>
-    </p:spTree>
-    <p:extLst>
-      <p:ext uri="{BB962C8B-B14F-4D97-AF65-F5344CB8AC3E}">
-        <p14:creationId xmlns:p14="http://schemas.microsoft.com/office/powerpoint/2010/main" val="3991650673"/>
-      </p:ext>
-    </p:extLst>
-  </p:cSld>
-  <p:clrMapOvr>
-    <a:masterClrMapping/>
-  </p:clrMapOvr>
-</p:notes>
-</file>
-
-<file path=ppt/notesSlides/notesSlide11.xml><?xml version="1.0" encoding="utf-8"?>
-<p:notes xmlns:a="http://schemas.openxmlformats.org/drawingml/2006/main" xmlns:r="http://schemas.openxmlformats.org/officeDocument/2006/relationships" xmlns:p="http://schemas.openxmlformats.org/presentationml/2006/main">
-  <p:cSld>
-    <p:spTree>
-      <p:nvGrpSpPr>
-        <p:cNvPr id="1" name=""/>
-        <p:cNvGrpSpPr/>
-        <p:nvPr/>
-      </p:nvGrpSpPr>
-      <p:grpSpPr>
-        <a:xfrm>
-          <a:off x="0" y="0"/>
-          <a:ext cx="0" cy="0"/>
-          <a:chOff x="0" y="0"/>
-          <a:chExt cx="0" cy="0"/>
-        </a:xfrm>
-      </p:grpSpPr>
-      <p:sp>
-        <p:nvSpPr>
-          <p:cNvPr id="2" name="幻灯片图像占位符 1"/>
-          <p:cNvSpPr>
-            <a:spLocks noGrp="1" noRot="1" noChangeAspect="1"/>
-          </p:cNvSpPr>
-          <p:nvPr>
-            <p:ph type="sldImg"/>
-          </p:nvPr>
-        </p:nvSpPr>
-        <p:spPr/>
-      </p:sp>
-      <p:sp>
-        <p:nvSpPr>
-          <p:cNvPr id="3" name="备注占位符 2"/>
-          <p:cNvSpPr>
-            <a:spLocks noGrp="1"/>
-          </p:cNvSpPr>
-          <p:nvPr>
-            <p:ph type="body" idx="1"/>
-          </p:nvPr>
-        </p:nvSpPr>
-        <p:spPr/>
-        <p:txBody>
-          <a:bodyPr/>
-          <a:lstStyle/>
-          <a:p>
-            <a:r>
-              <a:rPr kumimoji="1" lang="zh-CN" altLang="en-US" dirty="0"/>
-              <a:t>在数据结构中，我们谈论的最多的是 数据元素，然后再往下谈数据项</a:t>
-            </a:r>
-          </a:p>
-        </p:txBody>
-      </p:sp>
-      <p:sp>
-        <p:nvSpPr>
-          <p:cNvPr id="4" name="灯片编号占位符 3"/>
-          <p:cNvSpPr>
-            <a:spLocks noGrp="1"/>
-          </p:cNvSpPr>
-          <p:nvPr>
-            <p:ph type="sldNum" sz="quarter" idx="5"/>
-          </p:nvPr>
-        </p:nvSpPr>
-        <p:spPr/>
-        <p:txBody>
-          <a:bodyPr/>
-          <a:lstStyle/>
-          <a:p>
-            <a:fld id="{0F8E57A1-C481-6944-857F-EAC8E932B5ED}" type="slidenum">
-              <a:rPr kumimoji="1" lang="zh-CN" altLang="en-US" smtClean="0"/>
-              <a:t>12</a:t>
-            </a:fld>
-            <a:endParaRPr kumimoji="1" lang="zh-CN" altLang="en-US"/>
-          </a:p>
-        </p:txBody>
-      </p:sp>
-    </p:spTree>
-    <p:extLst>
-      <p:ext uri="{BB962C8B-B14F-4D97-AF65-F5344CB8AC3E}">
-        <p14:creationId xmlns:p14="http://schemas.microsoft.com/office/powerpoint/2010/main" val="1568470300"/>
-      </p:ext>
-    </p:extLst>
-  </p:cSld>
-  <p:clrMapOvr>
-    <a:masterClrMapping/>
-  </p:clrMapOvr>
-</p:notes>
-</file>
-
-<file path=ppt/notesSlides/notesSlide12.xml><?xml version="1.0" encoding="utf-8"?>
-<p:notes xmlns:a="http://schemas.openxmlformats.org/drawingml/2006/main" xmlns:r="http://schemas.openxmlformats.org/officeDocument/2006/relationships" xmlns:p="http://schemas.openxmlformats.org/presentationml/2006/main">
-  <p:cSld>
-    <p:spTree>
-      <p:nvGrpSpPr>
-        <p:cNvPr id="1" name=""/>
-        <p:cNvGrpSpPr/>
-        <p:nvPr/>
-      </p:nvGrpSpPr>
-      <p:grpSpPr>
-        <a:xfrm>
-          <a:off x="0" y="0"/>
-          <a:ext cx="0" cy="0"/>
-          <a:chOff x="0" y="0"/>
-          <a:chExt cx="0" cy="0"/>
-        </a:xfrm>
-      </p:grpSpPr>
-      <p:sp>
-        <p:nvSpPr>
-          <p:cNvPr id="2" name="幻灯片图像占位符 1"/>
-          <p:cNvSpPr>
-            <a:spLocks noGrp="1" noRot="1" noChangeAspect="1"/>
-          </p:cNvSpPr>
-          <p:nvPr>
-            <p:ph type="sldImg"/>
-          </p:nvPr>
-        </p:nvSpPr>
-        <p:spPr/>
-      </p:sp>
-      <p:sp>
-        <p:nvSpPr>
-          <p:cNvPr id="3" name="备注占位符 2"/>
-          <p:cNvSpPr>
-            <a:spLocks noGrp="1"/>
-          </p:cNvSpPr>
-          <p:nvPr>
-            <p:ph type="body" idx="1"/>
-          </p:nvPr>
-        </p:nvSpPr>
-        <p:spPr/>
-        <p:txBody>
-          <a:bodyPr/>
-          <a:lstStyle/>
-          <a:p>
-            <a:r>
-              <a:rPr kumimoji="1" lang="zh-CN" altLang="en-US" dirty="0"/>
-              <a:t>在数据结构中，我们谈论的最多的是 数据元素，然后再往下谈数据项</a:t>
-            </a:r>
-          </a:p>
-        </p:txBody>
-      </p:sp>
-      <p:sp>
-        <p:nvSpPr>
-          <p:cNvPr id="4" name="灯片编号占位符 3"/>
-          <p:cNvSpPr>
-            <a:spLocks noGrp="1"/>
-          </p:cNvSpPr>
-          <p:nvPr>
-            <p:ph type="sldNum" sz="quarter" idx="5"/>
-          </p:nvPr>
-        </p:nvSpPr>
-        <p:spPr/>
-        <p:txBody>
-          <a:bodyPr/>
-          <a:lstStyle/>
-          <a:p>
-            <a:fld id="{0F8E57A1-C481-6944-857F-EAC8E932B5ED}" type="slidenum">
-              <a:rPr kumimoji="1" lang="zh-CN" altLang="en-US" smtClean="0"/>
-              <a:t>13</a:t>
-            </a:fld>
-            <a:endParaRPr kumimoji="1" lang="zh-CN" altLang="en-US"/>
-          </a:p>
-        </p:txBody>
-      </p:sp>
-    </p:spTree>
-    <p:extLst>
-      <p:ext uri="{BB962C8B-B14F-4D97-AF65-F5344CB8AC3E}">
-        <p14:creationId xmlns:p14="http://schemas.microsoft.com/office/powerpoint/2010/main" val="428244954"/>
-      </p:ext>
-    </p:extLst>
-  </p:cSld>
-  <p:clrMapOvr>
-    <a:masterClrMapping/>
-  </p:clrMapOvr>
-</p:notes>
-</file>
-
-<file path=ppt/notesSlides/notesSlide13.xml><?xml version="1.0" encoding="utf-8"?>
-<p:notes xmlns:a="http://schemas.openxmlformats.org/drawingml/2006/main" xmlns:r="http://schemas.openxmlformats.org/officeDocument/2006/relationships" xmlns:p="http://schemas.openxmlformats.org/presentationml/2006/main">
-  <p:cSld>
-    <p:spTree>
-      <p:nvGrpSpPr>
-        <p:cNvPr id="1" name=""/>
-        <p:cNvGrpSpPr/>
-        <p:nvPr/>
-      </p:nvGrpSpPr>
-      <p:grpSpPr>
-        <a:xfrm>
-          <a:off x="0" y="0"/>
-          <a:ext cx="0" cy="0"/>
-          <a:chOff x="0" y="0"/>
-          <a:chExt cx="0" cy="0"/>
-        </a:xfrm>
-      </p:grpSpPr>
-      <p:sp>
-        <p:nvSpPr>
-          <p:cNvPr id="2" name="幻灯片图像占位符 1"/>
-          <p:cNvSpPr>
-            <a:spLocks noGrp="1" noRot="1" noChangeAspect="1"/>
-          </p:cNvSpPr>
-          <p:nvPr>
-            <p:ph type="sldImg"/>
-          </p:nvPr>
-        </p:nvSpPr>
-        <p:spPr/>
-      </p:sp>
-      <p:sp>
-        <p:nvSpPr>
-          <p:cNvPr id="3" name="备注占位符 2"/>
-          <p:cNvSpPr>
-            <a:spLocks noGrp="1"/>
-          </p:cNvSpPr>
-          <p:nvPr>
-            <p:ph type="body" idx="1"/>
-          </p:nvPr>
-        </p:nvSpPr>
-        <p:spPr/>
-        <p:txBody>
-          <a:bodyPr/>
-          <a:lstStyle/>
-          <a:p>
-            <a:r>
-              <a:rPr lang="en-US" altLang="zh-CN" sz="1200" dirty="0">
-                <a:effectLst/>
-              </a:rPr>
-              <a:t>a</a:t>
-            </a:r>
-            <a:r>
-              <a:rPr lang="zh-CN" altLang="en-US" sz="1200" dirty="0">
-                <a:effectLst/>
-              </a:rPr>
-              <a:t>例子：当两个操作数是整数时，</a:t>
-            </a:r>
-            <a:r>
-              <a:rPr lang="en-US" altLang="zh-CN" sz="1200" kern="1200" dirty="0">
-                <a:solidFill>
-                  <a:schemeClr val="tx1"/>
-                </a:solidFill>
-                <a:effectLst/>
-                <a:latin typeface="+mn-lt"/>
-                <a:ea typeface="+mn-ea"/>
-                <a:cs typeface="+mn-cs"/>
-              </a:rPr>
-              <a:t>/ </a:t>
-            </a:r>
-            <a:r>
-              <a:rPr lang="zh-CN" altLang="en-US" sz="1200" dirty="0">
-                <a:effectLst/>
-              </a:rPr>
-              <a:t>操作符执行一个整数除法，操作的结果是整数，小数部分被截去。</a:t>
-            </a:r>
-            <a:endParaRPr lang="en-US" altLang="zh-CN" sz="1200" dirty="0">
-              <a:effectLst/>
-            </a:endParaRPr>
-          </a:p>
-          <a:p>
-            <a:r>
-              <a:rPr lang="en-US" altLang="zh-CN" sz="1200" dirty="0">
-                <a:effectLst/>
-              </a:rPr>
-              <a:t>b</a:t>
-            </a:r>
-            <a:r>
-              <a:rPr lang="zh-CN" altLang="en-US" sz="1200" dirty="0">
-                <a:effectLst/>
-              </a:rPr>
-              <a:t>例子：要强制两个整数执行一个浮点数除法时，将其中一个整数转换为浮点数值。</a:t>
-            </a:r>
-            <a:endParaRPr lang="en-US" altLang="zh-CN" sz="1200" dirty="0">
-              <a:effectLst/>
-            </a:endParaRPr>
-          </a:p>
-          <a:p>
-            <a:endParaRPr lang="en-US" altLang="zh-CN" sz="1200" dirty="0">
-              <a:effectLst/>
-            </a:endParaRPr>
-          </a:p>
-        </p:txBody>
-      </p:sp>
-      <p:sp>
-        <p:nvSpPr>
-          <p:cNvPr id="4" name="灯片编号占位符 3"/>
-          <p:cNvSpPr>
-            <a:spLocks noGrp="1"/>
-          </p:cNvSpPr>
-          <p:nvPr>
-            <p:ph type="sldNum" sz="quarter" idx="5"/>
-          </p:nvPr>
-        </p:nvSpPr>
-        <p:spPr/>
-        <p:txBody>
-          <a:bodyPr/>
-          <a:lstStyle/>
-          <a:p>
-            <a:fld id="{0F8E57A1-C481-6944-857F-EAC8E932B5ED}" type="slidenum">
-              <a:rPr kumimoji="1" lang="zh-CN" altLang="en-US" smtClean="0"/>
-              <a:t>14</a:t>
-            </a:fld>
-            <a:endParaRPr kumimoji="1" lang="zh-CN" altLang="en-US"/>
-          </a:p>
-        </p:txBody>
-      </p:sp>
-    </p:spTree>
-    <p:extLst>
-      <p:ext uri="{BB962C8B-B14F-4D97-AF65-F5344CB8AC3E}">
-        <p14:creationId xmlns:p14="http://schemas.microsoft.com/office/powerpoint/2010/main" val="2623026475"/>
-      </p:ext>
-    </p:extLst>
-  </p:cSld>
-  <p:clrMapOvr>
-    <a:masterClrMapping/>
-  </p:clrMapOvr>
-</p:notes>
-</file>
-
-<file path=ppt/notesSlides/notesSlide14.xml><?xml version="1.0" encoding="utf-8"?>
-<p:notes xmlns:a="http://schemas.openxmlformats.org/drawingml/2006/main" xmlns:r="http://schemas.openxmlformats.org/officeDocument/2006/relationships" xmlns:p="http://schemas.openxmlformats.org/presentationml/2006/main">
-  <p:cSld>
-    <p:spTree>
-      <p:nvGrpSpPr>
-        <p:cNvPr id="1" name=""/>
-        <p:cNvGrpSpPr/>
-        <p:nvPr/>
-      </p:nvGrpSpPr>
-      <p:grpSpPr>
-        <a:xfrm>
-          <a:off x="0" y="0"/>
-          <a:ext cx="0" cy="0"/>
-          <a:chOff x="0" y="0"/>
-          <a:chExt cx="0" cy="0"/>
-        </a:xfrm>
-      </p:grpSpPr>
-      <p:sp>
-        <p:nvSpPr>
-          <p:cNvPr id="2" name="幻灯片图像占位符 1"/>
-          <p:cNvSpPr>
-            <a:spLocks noGrp="1" noRot="1" noChangeAspect="1"/>
-          </p:cNvSpPr>
-          <p:nvPr>
-            <p:ph type="sldImg"/>
-          </p:nvPr>
-        </p:nvSpPr>
-        <p:spPr/>
-      </p:sp>
-      <p:sp>
-        <p:nvSpPr>
-          <p:cNvPr id="3" name="备注占位符 2"/>
-          <p:cNvSpPr>
-            <a:spLocks noGrp="1"/>
-          </p:cNvSpPr>
-          <p:nvPr>
-            <p:ph type="body" idx="1"/>
-          </p:nvPr>
-        </p:nvSpPr>
-        <p:spPr/>
-        <p:txBody>
-          <a:bodyPr/>
-          <a:lstStyle/>
-          <a:p>
-            <a:pPr marL="0" marR="0" lvl="0" indent="0" algn="l" defTabSz="914400" rtl="0" eaLnBrk="1" fontAlgn="auto" latinLnBrk="0" hangingPunct="1">
-              <a:lnSpc>
-                <a:spcPct val="100000"/>
-              </a:lnSpc>
-              <a:spcBef>
-                <a:spcPts val="0"/>
-              </a:spcBef>
-              <a:spcAft>
-                <a:spcPts val="0"/>
-              </a:spcAft>
-              <a:buClrTx/>
-              <a:buSzTx/>
-              <a:buFontTx/>
-              <a:buNone/>
-              <a:tabLst/>
-              <a:defRPr/>
-            </a:pPr>
-            <a:r>
-              <a:rPr kumimoji="1" lang="zh-CN" altLang="en-US" dirty="0"/>
-              <a:t>另一个例子：狗会叫，猫会叫，鸭子也会叫，那他们可以抽象成 一个动物对象，这个动物对象有叫这个动作，但至于具体如何叫，就不是抽象数据模型的职责了，而是具体数据类型的职责</a:t>
-            </a:r>
-            <a:endParaRPr kumimoji="1" lang="en-US" altLang="zh-CN" dirty="0"/>
-          </a:p>
-          <a:p>
-            <a:endParaRPr kumimoji="1" lang="zh-CN" altLang="en-US" dirty="0"/>
-          </a:p>
-        </p:txBody>
-      </p:sp>
-      <p:sp>
-        <p:nvSpPr>
-          <p:cNvPr id="4" name="灯片编号占位符 3"/>
-          <p:cNvSpPr>
-            <a:spLocks noGrp="1"/>
-          </p:cNvSpPr>
-          <p:nvPr>
-            <p:ph type="sldNum" sz="quarter" idx="5"/>
-          </p:nvPr>
-        </p:nvSpPr>
-        <p:spPr/>
-        <p:txBody>
-          <a:bodyPr/>
-          <a:lstStyle/>
-          <a:p>
-            <a:fld id="{0F8E57A1-C481-6944-857F-EAC8E932B5ED}" type="slidenum">
-              <a:rPr kumimoji="1" lang="zh-CN" altLang="en-US" smtClean="0"/>
-              <a:t>15</a:t>
-            </a:fld>
-            <a:endParaRPr kumimoji="1" lang="zh-CN" altLang="en-US"/>
-          </a:p>
-        </p:txBody>
-      </p:sp>
-    </p:spTree>
-    <p:extLst>
-      <p:ext uri="{BB962C8B-B14F-4D97-AF65-F5344CB8AC3E}">
-        <p14:creationId xmlns:p14="http://schemas.microsoft.com/office/powerpoint/2010/main" val="4167110842"/>
-      </p:ext>
-    </p:extLst>
-  </p:cSld>
-  <p:clrMapOvr>
-    <a:masterClrMapping/>
-  </p:clrMapOvr>
-</p:notes>
-</file>
-
-<file path=ppt/notesSlides/notesSlide15.xml><?xml version="1.0" encoding="utf-8"?>
-<p:notes xmlns:a="http://schemas.openxmlformats.org/drawingml/2006/main" xmlns:r="http://schemas.openxmlformats.org/officeDocument/2006/relationships" xmlns:p="http://schemas.openxmlformats.org/presentationml/2006/main">
-  <p:cSld>
-    <p:spTree>
-      <p:nvGrpSpPr>
-        <p:cNvPr id="1" name=""/>
-        <p:cNvGrpSpPr/>
-        <p:nvPr/>
-      </p:nvGrpSpPr>
-      <p:grpSpPr>
-        <a:xfrm>
-          <a:off x="0" y="0"/>
-          <a:ext cx="0" cy="0"/>
-          <a:chOff x="0" y="0"/>
-          <a:chExt cx="0" cy="0"/>
-        </a:xfrm>
-      </p:grpSpPr>
-      <p:sp>
-        <p:nvSpPr>
-          <p:cNvPr id="2" name="幻灯片图像占位符 1"/>
-          <p:cNvSpPr>
-            <a:spLocks noGrp="1" noRot="1" noChangeAspect="1"/>
-          </p:cNvSpPr>
-          <p:nvPr>
-            <p:ph type="sldImg"/>
-          </p:nvPr>
-        </p:nvSpPr>
-        <p:spPr/>
-      </p:sp>
-      <p:sp>
-        <p:nvSpPr>
-          <p:cNvPr id="3" name="备注占位符 2"/>
-          <p:cNvSpPr>
-            <a:spLocks noGrp="1"/>
-          </p:cNvSpPr>
-          <p:nvPr>
-            <p:ph type="body" idx="1"/>
-          </p:nvPr>
-        </p:nvSpPr>
-        <p:spPr/>
-        <p:txBody>
-          <a:bodyPr/>
-          <a:lstStyle/>
-          <a:p>
-            <a:pPr marL="0" marR="0" lvl="0" indent="0" algn="l" defTabSz="914400" rtl="0" eaLnBrk="1" fontAlgn="auto" latinLnBrk="0" hangingPunct="1">
-              <a:lnSpc>
-                <a:spcPct val="100000"/>
-              </a:lnSpc>
-              <a:spcBef>
-                <a:spcPts val="0"/>
-              </a:spcBef>
-              <a:spcAft>
-                <a:spcPts val="0"/>
-              </a:spcAft>
-              <a:buClrTx/>
-              <a:buSzTx/>
-              <a:buFontTx/>
-              <a:buNone/>
-              <a:tabLst/>
-              <a:defRPr/>
-            </a:pPr>
-            <a:r>
-              <a:rPr kumimoji="1" lang="zh-CN" altLang="en-US" dirty="0"/>
-              <a:t>另一个例子：狗会叫，猫会叫，鸭子也会叫，那他们可以抽象成 一个动物对象，这个动物对象有叫这个动作，但至于具体如何叫，就不是抽象数据模型的职责了，而是具体数据类型的职责</a:t>
-            </a:r>
-            <a:endParaRPr kumimoji="1" lang="en-US" altLang="zh-CN" dirty="0"/>
-          </a:p>
-          <a:p>
-            <a:endParaRPr kumimoji="1" lang="zh-CN" altLang="en-US" dirty="0"/>
-          </a:p>
-        </p:txBody>
-      </p:sp>
-      <p:sp>
-        <p:nvSpPr>
-          <p:cNvPr id="4" name="灯片编号占位符 3"/>
-          <p:cNvSpPr>
-            <a:spLocks noGrp="1"/>
-          </p:cNvSpPr>
-          <p:nvPr>
-            <p:ph type="sldNum" sz="quarter" idx="5"/>
-          </p:nvPr>
-        </p:nvSpPr>
-        <p:spPr/>
-        <p:txBody>
-          <a:bodyPr/>
-          <a:lstStyle/>
-          <a:p>
-            <a:fld id="{0F8E57A1-C481-6944-857F-EAC8E932B5ED}" type="slidenum">
-              <a:rPr kumimoji="1" lang="zh-CN" altLang="en-US" smtClean="0"/>
-              <a:t>16</a:t>
-            </a:fld>
-            <a:endParaRPr kumimoji="1" lang="zh-CN" altLang="en-US"/>
-          </a:p>
-        </p:txBody>
-      </p:sp>
-    </p:spTree>
-    <p:extLst>
-      <p:ext uri="{BB962C8B-B14F-4D97-AF65-F5344CB8AC3E}">
-        <p14:creationId xmlns:p14="http://schemas.microsoft.com/office/powerpoint/2010/main" val="3161374593"/>
-      </p:ext>
-    </p:extLst>
-  </p:cSld>
-  <p:clrMapOvr>
-    <a:masterClrMapping/>
-  </p:clrMapOvr>
-</p:notes>
-</file>
-
 <file path=ppt/notesSlides/notesSlide2.xml><?xml version="1.0" encoding="utf-8"?>
 <p:notes xmlns:a="http://schemas.openxmlformats.org/drawingml/2006/main" xmlns:r="http://schemas.openxmlformats.org/officeDocument/2006/relationships" xmlns:p="http://schemas.openxmlformats.org/presentationml/2006/main">
   <p:cSld>
@@ -1797,6 +1170,30 @@
           <a:bodyPr/>
           <a:lstStyle/>
           <a:p>
+            <a:pPr marL="0" marR="0" lvl="0" indent="0" algn="l" defTabSz="914400" rtl="0" eaLnBrk="1" fontAlgn="auto" latinLnBrk="0" hangingPunct="1">
+              <a:lnSpc>
+                <a:spcPct val="100000"/>
+              </a:lnSpc>
+              <a:spcBef>
+                <a:spcPts val="0"/>
+              </a:spcBef>
+              <a:spcAft>
+                <a:spcPts val="0"/>
+              </a:spcAft>
+              <a:buClrTx/>
+              <a:buSzTx/>
+              <a:buFontTx/>
+              <a:buNone/>
+              <a:tabLst/>
+              <a:defRPr/>
+            </a:pPr>
+            <a:r>
+              <a:rPr kumimoji="1" lang="zh-CN" altLang="en-US" dirty="0"/>
+              <a:t>另一个例子：狗会叫，猫会叫，鸭子也会叫，那他们可以抽象成 一个动物对象，这个动物对象有叫这个动作，但至于具体如何叫，就不是抽象数据模型的职责了，而是具体数据类型的职责</a:t>
+            </a:r>
+            <a:endParaRPr kumimoji="1" lang="en-US" altLang="zh-CN" dirty="0"/>
+          </a:p>
+          <a:p>
             <a:endParaRPr kumimoji="1" lang="zh-CN" altLang="en-US" dirty="0"/>
           </a:p>
         </p:txBody>
@@ -1827,7 +1224,7 @@
     </p:spTree>
     <p:extLst>
       <p:ext uri="{BB962C8B-B14F-4D97-AF65-F5344CB8AC3E}">
-        <p14:creationId xmlns:p14="http://schemas.microsoft.com/office/powerpoint/2010/main" val="3404415977"/>
+        <p14:creationId xmlns:p14="http://schemas.microsoft.com/office/powerpoint/2010/main" val="4167110842"/>
       </p:ext>
     </p:extLst>
   </p:cSld>
@@ -1881,6 +1278,30 @@
           <a:bodyPr/>
           <a:lstStyle/>
           <a:p>
+            <a:pPr marL="0" marR="0" lvl="0" indent="0" algn="l" defTabSz="914400" rtl="0" eaLnBrk="1" fontAlgn="auto" latinLnBrk="0" hangingPunct="1">
+              <a:lnSpc>
+                <a:spcPct val="100000"/>
+              </a:lnSpc>
+              <a:spcBef>
+                <a:spcPts val="0"/>
+              </a:spcBef>
+              <a:spcAft>
+                <a:spcPts val="0"/>
+              </a:spcAft>
+              <a:buClrTx/>
+              <a:buSzTx/>
+              <a:buFontTx/>
+              <a:buNone/>
+              <a:tabLst/>
+              <a:defRPr/>
+            </a:pPr>
+            <a:r>
+              <a:rPr kumimoji="1" lang="zh-CN" altLang="en-US" dirty="0"/>
+              <a:t>另一个例子：狗会叫，猫会叫，鸭子也会叫，那他们可以抽象成 一个动物对象，这个动物对象有叫这个动作，但至于具体如何叫，就不是抽象数据模型的职责了，而是具体数据类型的职责</a:t>
+            </a:r>
+            <a:endParaRPr kumimoji="1" lang="en-US" altLang="zh-CN" dirty="0"/>
+          </a:p>
+          <a:p>
             <a:endParaRPr kumimoji="1" lang="zh-CN" altLang="en-US" dirty="0"/>
           </a:p>
         </p:txBody>
@@ -1911,7 +1332,7 @@
     </p:spTree>
     <p:extLst>
       <p:ext uri="{BB962C8B-B14F-4D97-AF65-F5344CB8AC3E}">
-        <p14:creationId xmlns:p14="http://schemas.microsoft.com/office/powerpoint/2010/main" val="1659880490"/>
+        <p14:creationId xmlns:p14="http://schemas.microsoft.com/office/powerpoint/2010/main" val="3454534623"/>
       </p:ext>
     </p:extLst>
   </p:cSld>
@@ -1982,6 +1403,13 @@
               <a:tabLst/>
               <a:defRPr/>
             </a:pPr>
+            <a:r>
+              <a:rPr kumimoji="1" lang="zh-CN" altLang="en-US" dirty="0"/>
+              <a:t>另一个例子：狗会叫，猫会叫，鸭子也会叫，那他们可以抽象成 一个动物对象，这个动物对象有叫这个动作，但至于具体如何叫，就不是抽象数据模型的职责了，而是具体数据类型的职责</a:t>
+            </a:r>
+            <a:endParaRPr kumimoji="1" lang="en-US" altLang="zh-CN" dirty="0"/>
+          </a:p>
+          <a:p>
             <a:endParaRPr kumimoji="1" lang="zh-CN" altLang="en-US" dirty="0"/>
           </a:p>
         </p:txBody>
@@ -2012,7 +1440,7 @@
     </p:spTree>
     <p:extLst>
       <p:ext uri="{BB962C8B-B14F-4D97-AF65-F5344CB8AC3E}">
-        <p14:creationId xmlns:p14="http://schemas.microsoft.com/office/powerpoint/2010/main" val="3634524704"/>
+        <p14:creationId xmlns:p14="http://schemas.microsoft.com/office/powerpoint/2010/main" val="3161374593"/>
       </p:ext>
     </p:extLst>
   </p:cSld>
@@ -5395,1364 +4823,6 @@
   <p:cSld>
     <p:bg>
       <p:bgPr>
-        <a:blipFill>
-          <a:blip r:embed="rId3"/>
-          <a:tile tx="0" ty="0" sx="100000" sy="100000" flip="none" algn="tl"/>
-        </a:blipFill>
-        <a:effectLst/>
-      </p:bgPr>
-    </p:bg>
-    <p:spTree>
-      <p:nvGrpSpPr>
-        <p:cNvPr id="1" name=""/>
-        <p:cNvGrpSpPr/>
-        <p:nvPr/>
-      </p:nvGrpSpPr>
-      <p:grpSpPr>
-        <a:xfrm>
-          <a:off x="0" y="0"/>
-          <a:ext cx="0" cy="0"/>
-          <a:chOff x="0" y="0"/>
-          <a:chExt cx="0" cy="0"/>
-        </a:xfrm>
-      </p:grpSpPr>
-      <p:sp>
-        <p:nvSpPr>
-          <p:cNvPr id="2" name="文本框 1">
-            <a:extLst>
-              <a:ext uri="{FF2B5EF4-FFF2-40B4-BE49-F238E27FC236}">
-                <a16:creationId xmlns:a16="http://schemas.microsoft.com/office/drawing/2014/main" id="{12AA8BCC-7B15-4842-80C2-48C079429338}"/>
-              </a:ext>
-            </a:extLst>
-          </p:cNvPr>
-          <p:cNvSpPr txBox="1"/>
-          <p:nvPr/>
-        </p:nvSpPr>
-        <p:spPr>
-          <a:xfrm>
-            <a:off x="2234234" y="597430"/>
-            <a:ext cx="9132000" cy="830997"/>
-          </a:xfrm>
-          <a:prstGeom prst="rect">
-            <a:avLst/>
-          </a:prstGeom>
-          <a:noFill/>
-        </p:spPr>
-        <p:txBody>
-          <a:bodyPr wrap="square" rtlCol="0">
-            <a:spAutoFit/>
-          </a:bodyPr>
-          <a:lstStyle/>
-          <a:p>
-            <a:pPr algn="ctr"/>
-            <a:r>
-              <a:rPr kumimoji="1" lang="en-US" altLang="zh-CN" sz="4800" dirty="0">
-                <a:latin typeface="Microsoft YaHei" panose="020B0503020204020204" pitchFamily="34" charset="-122"/>
-                <a:ea typeface="Microsoft YaHei" panose="020B0503020204020204" pitchFamily="34" charset="-122"/>
-              </a:rPr>
-              <a:t>4.3.</a:t>
-            </a:r>
-            <a:r>
-              <a:rPr kumimoji="1" lang="zh-CN" altLang="en-US" sz="4800" dirty="0">
-                <a:latin typeface="Microsoft YaHei" panose="020B0503020204020204" pitchFamily="34" charset="-122"/>
-                <a:ea typeface="Microsoft YaHei" panose="020B0503020204020204" pitchFamily="34" charset="-122"/>
-              </a:rPr>
-              <a:t>表达式计算优先级</a:t>
-            </a:r>
-          </a:p>
-        </p:txBody>
-      </p:sp>
-      <p:pic>
-        <p:nvPicPr>
-          <p:cNvPr id="4" name="图片 3">
-            <a:extLst>
-              <a:ext uri="{FF2B5EF4-FFF2-40B4-BE49-F238E27FC236}">
-                <a16:creationId xmlns:a16="http://schemas.microsoft.com/office/drawing/2014/main" id="{5C77ACF7-A5A8-CA4B-9CC5-87D9281D3BEF}"/>
-              </a:ext>
-            </a:extLst>
-          </p:cNvPr>
-          <p:cNvPicPr>
-            <a:picLocks noChangeAspect="1"/>
-          </p:cNvPicPr>
-          <p:nvPr/>
-        </p:nvPicPr>
-        <p:blipFill>
-          <a:blip r:embed="rId4"/>
-          <a:stretch>
-            <a:fillRect/>
-          </a:stretch>
-        </p:blipFill>
-        <p:spPr>
-          <a:xfrm>
-            <a:off x="2824018" y="1747982"/>
-            <a:ext cx="6943438" cy="3698136"/>
-          </a:xfrm>
-          <a:prstGeom prst="rect">
-            <a:avLst/>
-          </a:prstGeom>
-        </p:spPr>
-      </p:pic>
-      <p:sp>
-        <p:nvSpPr>
-          <p:cNvPr id="6" name="文本框 5">
-            <a:extLst>
-              <a:ext uri="{FF2B5EF4-FFF2-40B4-BE49-F238E27FC236}">
-                <a16:creationId xmlns:a16="http://schemas.microsoft.com/office/drawing/2014/main" id="{1ABE12F4-A033-504C-896E-240405C72F08}"/>
-              </a:ext>
-            </a:extLst>
-          </p:cNvPr>
-          <p:cNvSpPr txBox="1"/>
-          <p:nvPr/>
-        </p:nvSpPr>
-        <p:spPr>
-          <a:xfrm>
-            <a:off x="2618182" y="5922818"/>
-            <a:ext cx="7149274" cy="523220"/>
-          </a:xfrm>
-          <a:prstGeom prst="rect">
-            <a:avLst/>
-          </a:prstGeom>
-          <a:solidFill>
-            <a:schemeClr val="accent2"/>
-          </a:solidFill>
-        </p:spPr>
-        <p:txBody>
-          <a:bodyPr wrap="square" rtlCol="0">
-            <a:spAutoFit/>
-          </a:bodyPr>
-          <a:lstStyle/>
-          <a:p>
-            <a:r>
-              <a:rPr kumimoji="1" lang="zh-CN" altLang="en-US" sz="2800" dirty="0">
-                <a:solidFill>
-                  <a:schemeClr val="bg1"/>
-                </a:solidFill>
-                <a:latin typeface="Microsoft YaHei" panose="020B0503020204020204" pitchFamily="34" charset="-122"/>
-                <a:ea typeface="Microsoft YaHei" panose="020B0503020204020204" pitchFamily="34" charset="-122"/>
-              </a:rPr>
-              <a:t>优先级： </a:t>
-            </a:r>
-            <a:r>
-              <a:rPr kumimoji="1" lang="en-US" altLang="zh-CN" sz="2800" dirty="0">
-                <a:solidFill>
-                  <a:schemeClr val="bg1"/>
-                </a:solidFill>
-                <a:latin typeface="Microsoft YaHei" panose="020B0503020204020204" pitchFamily="34" charset="-122"/>
-                <a:ea typeface="Microsoft YaHei" panose="020B0503020204020204" pitchFamily="34" charset="-122"/>
-              </a:rPr>
-              <a:t>+</a:t>
-            </a:r>
-            <a:r>
-              <a:rPr kumimoji="1" lang="zh-CN" altLang="en-US" sz="2800" dirty="0">
-                <a:solidFill>
-                  <a:schemeClr val="bg1"/>
-                </a:solidFill>
-                <a:latin typeface="Microsoft YaHei" panose="020B0503020204020204" pitchFamily="34" charset="-122"/>
-                <a:ea typeface="Microsoft YaHei" panose="020B0503020204020204" pitchFamily="34" charset="-122"/>
-              </a:rPr>
-              <a:t>或</a:t>
-            </a:r>
-            <a:r>
-              <a:rPr kumimoji="1" lang="en-US" altLang="zh-CN" sz="2800" dirty="0">
-                <a:solidFill>
-                  <a:schemeClr val="bg1"/>
-                </a:solidFill>
-                <a:latin typeface="Microsoft YaHei" panose="020B0503020204020204" pitchFamily="34" charset="-122"/>
-                <a:ea typeface="Microsoft YaHei" panose="020B0503020204020204" pitchFamily="34" charset="-122"/>
-              </a:rPr>
-              <a:t>-</a:t>
-            </a:r>
-            <a:r>
-              <a:rPr kumimoji="1" lang="zh-CN" altLang="en-US" sz="2800" dirty="0">
-                <a:solidFill>
-                  <a:schemeClr val="bg1"/>
-                </a:solidFill>
-                <a:latin typeface="Microsoft YaHei" panose="020B0503020204020204" pitchFamily="34" charset="-122"/>
-                <a:ea typeface="Microsoft YaHei" panose="020B0503020204020204" pitchFamily="34" charset="-122"/>
-              </a:rPr>
-              <a:t>  </a:t>
-            </a:r>
-            <a:r>
-              <a:rPr kumimoji="1" lang="en-US" altLang="zh-CN" sz="2800" dirty="0">
-                <a:solidFill>
-                  <a:schemeClr val="bg1"/>
-                </a:solidFill>
-                <a:latin typeface="Microsoft YaHei" panose="020B0503020204020204" pitchFamily="34" charset="-122"/>
-                <a:ea typeface="Microsoft YaHei" panose="020B0503020204020204" pitchFamily="34" charset="-122"/>
-              </a:rPr>
-              <a:t>&lt;</a:t>
-            </a:r>
-            <a:r>
-              <a:rPr kumimoji="1" lang="zh-CN" altLang="en-US" sz="2800" dirty="0">
-                <a:solidFill>
-                  <a:schemeClr val="bg1"/>
-                </a:solidFill>
-                <a:latin typeface="Microsoft YaHei" panose="020B0503020204020204" pitchFamily="34" charset="-122"/>
-                <a:ea typeface="Microsoft YaHei" panose="020B0503020204020204" pitchFamily="34" charset="-122"/>
-              </a:rPr>
-              <a:t>  </a:t>
-            </a:r>
-            <a:r>
-              <a:rPr kumimoji="1" lang="en-US" altLang="zh-CN" sz="2800" dirty="0">
-                <a:solidFill>
-                  <a:schemeClr val="bg1"/>
-                </a:solidFill>
-                <a:latin typeface="Microsoft YaHei" panose="020B0503020204020204" pitchFamily="34" charset="-122"/>
-                <a:ea typeface="Microsoft YaHei" panose="020B0503020204020204" pitchFamily="34" charset="-122"/>
-              </a:rPr>
-              <a:t>×</a:t>
-            </a:r>
-            <a:r>
-              <a:rPr kumimoji="1" lang="zh-CN" altLang="en-US" sz="2800" dirty="0">
-                <a:solidFill>
-                  <a:schemeClr val="bg1"/>
-                </a:solidFill>
-                <a:latin typeface="Microsoft YaHei" panose="020B0503020204020204" pitchFamily="34" charset="-122"/>
-                <a:ea typeface="Microsoft YaHei" panose="020B0503020204020204" pitchFamily="34" charset="-122"/>
-              </a:rPr>
-              <a:t> </a:t>
-            </a:r>
-            <a:r>
-              <a:rPr kumimoji="1" lang="en-US" altLang="zh-CN" sz="2800" dirty="0">
-                <a:solidFill>
-                  <a:schemeClr val="bg1"/>
-                </a:solidFill>
-                <a:latin typeface="Microsoft YaHei" panose="020B0503020204020204" pitchFamily="34" charset="-122"/>
-                <a:ea typeface="Microsoft YaHei" panose="020B0503020204020204" pitchFamily="34" charset="-122"/>
-              </a:rPr>
-              <a:t>/(</a:t>
-            </a:r>
-            <a:r>
-              <a:rPr kumimoji="1" lang="zh-CN" altLang="en-US" sz="2800" dirty="0">
-                <a:solidFill>
-                  <a:schemeClr val="bg1"/>
-                </a:solidFill>
-                <a:latin typeface="Microsoft YaHei" panose="020B0503020204020204" pitchFamily="34" charset="-122"/>
-                <a:ea typeface="Microsoft YaHei" panose="020B0503020204020204" pitchFamily="34" charset="-122"/>
-              </a:rPr>
-              <a:t>除法标识</a:t>
-            </a:r>
-            <a:r>
-              <a:rPr kumimoji="1" lang="en-US" altLang="zh-CN" sz="2800" dirty="0">
-                <a:solidFill>
-                  <a:schemeClr val="bg1"/>
-                </a:solidFill>
-                <a:latin typeface="Microsoft YaHei" panose="020B0503020204020204" pitchFamily="34" charset="-122"/>
-                <a:ea typeface="Microsoft YaHei" panose="020B0503020204020204" pitchFamily="34" charset="-122"/>
-              </a:rPr>
-              <a:t>)</a:t>
-            </a:r>
-            <a:r>
-              <a:rPr kumimoji="1" lang="zh-CN" altLang="en-US" sz="2800" dirty="0">
-                <a:solidFill>
-                  <a:schemeClr val="bg1"/>
-                </a:solidFill>
-                <a:latin typeface="Microsoft YaHei" panose="020B0503020204020204" pitchFamily="34" charset="-122"/>
-                <a:ea typeface="Microsoft YaHei" panose="020B0503020204020204" pitchFamily="34" charset="-122"/>
-              </a:rPr>
-              <a:t> </a:t>
-            </a:r>
-            <a:r>
-              <a:rPr kumimoji="1" lang="en-US" altLang="zh-CN" sz="2800" dirty="0">
-                <a:solidFill>
-                  <a:schemeClr val="bg1"/>
-                </a:solidFill>
-                <a:latin typeface="Microsoft YaHei" panose="020B0503020204020204" pitchFamily="34" charset="-122"/>
-                <a:ea typeface="Microsoft YaHei" panose="020B0503020204020204" pitchFamily="34" charset="-122"/>
-              </a:rPr>
-              <a:t>&lt;</a:t>
-            </a:r>
-            <a:r>
-              <a:rPr kumimoji="1" lang="zh-CN" altLang="en-US" sz="2800" dirty="0">
-                <a:solidFill>
-                  <a:schemeClr val="bg1"/>
-                </a:solidFill>
-                <a:latin typeface="Microsoft YaHei" panose="020B0503020204020204" pitchFamily="34" charset="-122"/>
-                <a:ea typeface="Microsoft YaHei" panose="020B0503020204020204" pitchFamily="34" charset="-122"/>
-              </a:rPr>
-              <a:t> </a:t>
-            </a:r>
-            <a:r>
-              <a:rPr kumimoji="1" lang="en-US" altLang="zh-CN" sz="2800" dirty="0">
-                <a:solidFill>
-                  <a:schemeClr val="bg1"/>
-                </a:solidFill>
-                <a:latin typeface="Microsoft YaHei" panose="020B0503020204020204" pitchFamily="34" charset="-122"/>
-                <a:ea typeface="Microsoft YaHei" panose="020B0503020204020204" pitchFamily="34" charset="-122"/>
-              </a:rPr>
-              <a:t>()</a:t>
-            </a:r>
-            <a:endParaRPr kumimoji="1" lang="zh-CN" altLang="en-US" sz="2800" dirty="0">
-              <a:solidFill>
-                <a:schemeClr val="bg1"/>
-              </a:solidFill>
-              <a:latin typeface="Microsoft YaHei" panose="020B0503020204020204" pitchFamily="34" charset="-122"/>
-              <a:ea typeface="Microsoft YaHei" panose="020B0503020204020204" pitchFamily="34" charset="-122"/>
-            </a:endParaRPr>
-          </a:p>
-        </p:txBody>
-      </p:sp>
-    </p:spTree>
-    <p:extLst>
-      <p:ext uri="{BB962C8B-B14F-4D97-AF65-F5344CB8AC3E}">
-        <p14:creationId xmlns:p14="http://schemas.microsoft.com/office/powerpoint/2010/main" val="2682132560"/>
-      </p:ext>
-    </p:extLst>
-  </p:cSld>
-  <p:clrMapOvr>
-    <a:masterClrMapping/>
-  </p:clrMapOvr>
-</p:sld>
-</file>
-
-<file path=ppt/slides/slide11.xml><?xml version="1.0" encoding="utf-8"?>
-<p:sld xmlns:a="http://schemas.openxmlformats.org/drawingml/2006/main" xmlns:r="http://schemas.openxmlformats.org/officeDocument/2006/relationships" xmlns:p="http://schemas.openxmlformats.org/presentationml/2006/main">
-  <p:cSld>
-    <p:bg>
-      <p:bgPr>
-        <a:blipFill>
-          <a:blip r:embed="rId3"/>
-          <a:tile tx="0" ty="0" sx="100000" sy="100000" flip="none" algn="tl"/>
-        </a:blipFill>
-        <a:effectLst/>
-      </p:bgPr>
-    </p:bg>
-    <p:spTree>
-      <p:nvGrpSpPr>
-        <p:cNvPr id="1" name=""/>
-        <p:cNvGrpSpPr/>
-        <p:nvPr/>
-      </p:nvGrpSpPr>
-      <p:grpSpPr>
-        <a:xfrm>
-          <a:off x="0" y="0"/>
-          <a:ext cx="0" cy="0"/>
-          <a:chOff x="0" y="0"/>
-          <a:chExt cx="0" cy="0"/>
-        </a:xfrm>
-      </p:grpSpPr>
-      <p:sp>
-        <p:nvSpPr>
-          <p:cNvPr id="2" name="文本框 1">
-            <a:extLst>
-              <a:ext uri="{FF2B5EF4-FFF2-40B4-BE49-F238E27FC236}">
-                <a16:creationId xmlns:a16="http://schemas.microsoft.com/office/drawing/2014/main" id="{12AA8BCC-7B15-4842-80C2-48C079429338}"/>
-              </a:ext>
-            </a:extLst>
-          </p:cNvPr>
-          <p:cNvSpPr txBox="1"/>
-          <p:nvPr/>
-        </p:nvSpPr>
-        <p:spPr>
-          <a:xfrm>
-            <a:off x="2234234" y="597430"/>
-            <a:ext cx="9132000" cy="830997"/>
-          </a:xfrm>
-          <a:prstGeom prst="rect">
-            <a:avLst/>
-          </a:prstGeom>
-          <a:noFill/>
-        </p:spPr>
-        <p:txBody>
-          <a:bodyPr wrap="square" rtlCol="0">
-            <a:spAutoFit/>
-          </a:bodyPr>
-          <a:lstStyle/>
-          <a:p>
-            <a:pPr algn="ctr"/>
-            <a:r>
-              <a:rPr kumimoji="1" lang="en-US" altLang="zh-CN" sz="4800" dirty="0">
-                <a:latin typeface="Microsoft YaHei" panose="020B0503020204020204" pitchFamily="34" charset="-122"/>
-                <a:ea typeface="Microsoft YaHei" panose="020B0503020204020204" pitchFamily="34" charset="-122"/>
-              </a:rPr>
-              <a:t>5.</a:t>
-            </a:r>
-            <a:r>
-              <a:rPr kumimoji="1" lang="zh-CN" altLang="en-US" sz="4800" dirty="0">
-                <a:latin typeface="Microsoft YaHei" panose="020B0503020204020204" pitchFamily="34" charset="-122"/>
-                <a:ea typeface="Microsoft YaHei" panose="020B0503020204020204" pitchFamily="34" charset="-122"/>
-              </a:rPr>
-              <a:t>数值类型转换</a:t>
-            </a:r>
-          </a:p>
-        </p:txBody>
-      </p:sp>
-      <p:sp>
-        <p:nvSpPr>
-          <p:cNvPr id="3" name="文本框 2">
-            <a:extLst>
-              <a:ext uri="{FF2B5EF4-FFF2-40B4-BE49-F238E27FC236}">
-                <a16:creationId xmlns:a16="http://schemas.microsoft.com/office/drawing/2014/main" id="{C0CFBE9F-84F2-FE48-AC8E-D41196C42DBA}"/>
-              </a:ext>
-            </a:extLst>
-          </p:cNvPr>
-          <p:cNvSpPr txBox="1"/>
-          <p:nvPr/>
-        </p:nvSpPr>
-        <p:spPr>
-          <a:xfrm>
-            <a:off x="1080655" y="2576945"/>
-            <a:ext cx="10868890" cy="3108543"/>
-          </a:xfrm>
-          <a:prstGeom prst="rect">
-            <a:avLst/>
-          </a:prstGeom>
-          <a:noFill/>
-        </p:spPr>
-        <p:txBody>
-          <a:bodyPr wrap="square" rtlCol="0">
-            <a:spAutoFit/>
-          </a:bodyPr>
-          <a:lstStyle/>
-          <a:p>
-            <a:r>
-              <a:rPr lang="zh-CN" altLang="en-US" sz="2800" dirty="0"/>
-              <a:t>一种将一种数据类型的值转换成另一种数据类型的操作。</a:t>
-            </a:r>
-            <a:endParaRPr lang="en-US" altLang="zh-CN" sz="2800" dirty="0"/>
-          </a:p>
-          <a:p>
-            <a:pPr marL="514350" indent="-514350">
-              <a:buFont typeface="+mj-lt"/>
-              <a:buAutoNum type="arabicPeriod"/>
-            </a:pPr>
-            <a:r>
-              <a:rPr lang="zh-CN" altLang="en-US" sz="2800" dirty="0"/>
-              <a:t>将一个小范围类型的变 量转换为大范围类型的变量称为拓宽类型</a:t>
-            </a:r>
-            <a:r>
-              <a:rPr lang="en-US" altLang="zh-CN" sz="2800" dirty="0"/>
-              <a:t>(widening a type)</a:t>
-            </a:r>
-            <a:r>
-              <a:rPr lang="zh-CN" altLang="en-US" sz="2800" dirty="0"/>
-              <a:t>   </a:t>
-            </a:r>
-            <a:r>
-              <a:rPr lang="en-US" altLang="zh-CN" sz="2800" dirty="0"/>
-              <a:t>//</a:t>
-            </a:r>
-            <a:r>
-              <a:rPr lang="zh-CN" altLang="en-US" sz="2800" dirty="0"/>
-              <a:t> </a:t>
-            </a:r>
-            <a:r>
-              <a:rPr lang="en-US" altLang="zh-CN" sz="2800" dirty="0"/>
-              <a:t>java</a:t>
-            </a:r>
-            <a:r>
-              <a:rPr lang="zh-CN" altLang="en-US" sz="2800" dirty="0"/>
-              <a:t>会自动，比如把</a:t>
-            </a:r>
-            <a:r>
-              <a:rPr lang="en-US" altLang="zh-CN" sz="2800" dirty="0"/>
-              <a:t>int</a:t>
-            </a:r>
-            <a:r>
-              <a:rPr lang="zh-CN" altLang="en-US" sz="2800" dirty="0"/>
-              <a:t> 变量赋值给</a:t>
-            </a:r>
-            <a:r>
-              <a:rPr lang="en-US" altLang="zh-CN" sz="2800" dirty="0"/>
-              <a:t>double.</a:t>
-            </a:r>
-          </a:p>
-          <a:p>
-            <a:pPr marL="514350" indent="-514350">
-              <a:buFont typeface="+mj-lt"/>
-              <a:buAutoNum type="arabicPeriod"/>
-            </a:pPr>
-            <a:r>
-              <a:rPr lang="zh-CN" altLang="en-US" sz="2800" dirty="0"/>
-              <a:t>把大范围类型的变量转换为小 范围类型的变量称为缩窄类型</a:t>
-            </a:r>
-            <a:r>
-              <a:rPr lang="en-US" altLang="zh-CN" sz="2800" dirty="0"/>
-              <a:t>( narrowing a type)</a:t>
-            </a:r>
-            <a:r>
-              <a:rPr lang="zh-CN" altLang="en-US" sz="2800" dirty="0"/>
-              <a:t>。 </a:t>
-            </a:r>
-            <a:r>
-              <a:rPr lang="en-US" altLang="zh-CN" sz="2800" dirty="0"/>
-              <a:t>//</a:t>
-            </a:r>
-            <a:r>
-              <a:rPr lang="zh-CN" altLang="en-US" sz="2800" dirty="0"/>
-              <a:t> 需要手动，会被“截断”</a:t>
-            </a:r>
-            <a:endParaRPr lang="en-US" altLang="zh-CN" sz="2800" dirty="0"/>
-          </a:p>
-          <a:p>
-            <a:endParaRPr lang="en-US" altLang="zh-CN" sz="2800" dirty="0"/>
-          </a:p>
-          <a:p>
-            <a:r>
-              <a:rPr lang="zh-CN" altLang="en-US" sz="2800" dirty="0"/>
-              <a:t> 代码举例</a:t>
-            </a:r>
-          </a:p>
-        </p:txBody>
-      </p:sp>
-      <p:sp>
-        <p:nvSpPr>
-          <p:cNvPr id="4" name="文本框 3">
-            <a:extLst>
-              <a:ext uri="{FF2B5EF4-FFF2-40B4-BE49-F238E27FC236}">
-                <a16:creationId xmlns:a16="http://schemas.microsoft.com/office/drawing/2014/main" id="{DDC745ED-DF34-D342-B366-1489B28F4142}"/>
-              </a:ext>
-            </a:extLst>
-          </p:cNvPr>
-          <p:cNvSpPr txBox="1"/>
-          <p:nvPr/>
-        </p:nvSpPr>
-        <p:spPr>
-          <a:xfrm>
-            <a:off x="540000" y="1800000"/>
-            <a:ext cx="1070042" cy="542675"/>
-          </a:xfrm>
-          <a:prstGeom prst="rect">
-            <a:avLst/>
-          </a:prstGeom>
-          <a:solidFill>
-            <a:schemeClr val="accent2"/>
-          </a:solidFill>
-        </p:spPr>
-        <p:txBody>
-          <a:bodyPr wrap="square" rtlCol="0">
-            <a:spAutoFit/>
-          </a:bodyPr>
-          <a:lstStyle/>
-          <a:p>
-            <a:r>
-              <a:rPr kumimoji="1" lang="zh-CN" altLang="en-US" sz="2800" dirty="0">
-                <a:solidFill>
-                  <a:schemeClr val="bg1"/>
-                </a:solidFill>
-                <a:latin typeface="Microsoft YaHei" panose="020B0503020204020204" pitchFamily="34" charset="-122"/>
-                <a:ea typeface="Microsoft YaHei" panose="020B0503020204020204" pitchFamily="34" charset="-122"/>
-              </a:rPr>
-              <a:t>定义</a:t>
-            </a:r>
-          </a:p>
-        </p:txBody>
-      </p:sp>
-    </p:spTree>
-    <p:extLst>
-      <p:ext uri="{BB962C8B-B14F-4D97-AF65-F5344CB8AC3E}">
-        <p14:creationId xmlns:p14="http://schemas.microsoft.com/office/powerpoint/2010/main" val="2429563177"/>
-      </p:ext>
-    </p:extLst>
-  </p:cSld>
-  <p:clrMapOvr>
-    <a:masterClrMapping/>
-  </p:clrMapOvr>
-</p:sld>
-</file>
-
-<file path=ppt/slides/slide12.xml><?xml version="1.0" encoding="utf-8"?>
-<p:sld xmlns:a="http://schemas.openxmlformats.org/drawingml/2006/main" xmlns:r="http://schemas.openxmlformats.org/officeDocument/2006/relationships" xmlns:p="http://schemas.openxmlformats.org/presentationml/2006/main">
-  <p:cSld>
-    <p:bg>
-      <p:bgPr>
-        <a:blipFill>
-          <a:blip r:embed="rId3"/>
-          <a:tile tx="0" ty="0" sx="100000" sy="100000" flip="none" algn="tl"/>
-        </a:blipFill>
-        <a:effectLst/>
-      </p:bgPr>
-    </p:bg>
-    <p:spTree>
-      <p:nvGrpSpPr>
-        <p:cNvPr id="1" name=""/>
-        <p:cNvGrpSpPr/>
-        <p:nvPr/>
-      </p:nvGrpSpPr>
-      <p:grpSpPr>
-        <a:xfrm>
-          <a:off x="0" y="0"/>
-          <a:ext cx="0" cy="0"/>
-          <a:chOff x="0" y="0"/>
-          <a:chExt cx="0" cy="0"/>
-        </a:xfrm>
-      </p:grpSpPr>
-      <p:sp>
-        <p:nvSpPr>
-          <p:cNvPr id="2" name="文本框 1">
-            <a:extLst>
-              <a:ext uri="{FF2B5EF4-FFF2-40B4-BE49-F238E27FC236}">
-                <a16:creationId xmlns:a16="http://schemas.microsoft.com/office/drawing/2014/main" id="{12AA8BCC-7B15-4842-80C2-48C079429338}"/>
-              </a:ext>
-            </a:extLst>
-          </p:cNvPr>
-          <p:cNvSpPr txBox="1"/>
-          <p:nvPr/>
-        </p:nvSpPr>
-        <p:spPr>
-          <a:xfrm>
-            <a:off x="2520000" y="720000"/>
-            <a:ext cx="7735824" cy="830997"/>
-          </a:xfrm>
-          <a:prstGeom prst="rect">
-            <a:avLst/>
-          </a:prstGeom>
-          <a:noFill/>
-        </p:spPr>
-        <p:txBody>
-          <a:bodyPr wrap="square" rtlCol="0">
-            <a:spAutoFit/>
-          </a:bodyPr>
-          <a:lstStyle/>
-          <a:p>
-            <a:pPr algn="ctr"/>
-            <a:r>
-              <a:rPr kumimoji="1" lang="en-US" altLang="zh-CN" sz="4800" dirty="0">
-                <a:latin typeface="Microsoft YaHei" panose="020B0503020204020204" pitchFamily="34" charset="-122"/>
-                <a:ea typeface="Microsoft YaHei" panose="020B0503020204020204" pitchFamily="34" charset="-122"/>
-              </a:rPr>
-              <a:t>6.</a:t>
-            </a:r>
-            <a:r>
-              <a:rPr kumimoji="1" lang="zh-CN" altLang="en-US" sz="4800" dirty="0">
-                <a:latin typeface="Microsoft YaHei" panose="020B0503020204020204" pitchFamily="34" charset="-122"/>
-                <a:ea typeface="Microsoft YaHei" panose="020B0503020204020204" pitchFamily="34" charset="-122"/>
-              </a:rPr>
-              <a:t> 常见错误 </a:t>
-            </a:r>
-            <a:r>
-              <a:rPr kumimoji="1" lang="en-US" altLang="zh-CN" sz="4800" dirty="0">
-                <a:latin typeface="Microsoft YaHei" panose="020B0503020204020204" pitchFamily="34" charset="-122"/>
-                <a:ea typeface="Microsoft YaHei" panose="020B0503020204020204" pitchFamily="34" charset="-122"/>
-              </a:rPr>
-              <a:t>1</a:t>
-            </a:r>
-            <a:endParaRPr kumimoji="1" lang="zh-CN" altLang="en-US" sz="4800" dirty="0">
-              <a:latin typeface="Microsoft YaHei" panose="020B0503020204020204" pitchFamily="34" charset="-122"/>
-              <a:ea typeface="Microsoft YaHei" panose="020B0503020204020204" pitchFamily="34" charset="-122"/>
-            </a:endParaRPr>
-          </a:p>
-        </p:txBody>
-      </p:sp>
-      <p:sp>
-        <p:nvSpPr>
-          <p:cNvPr id="4" name="文本框 3">
-            <a:extLst>
-              <a:ext uri="{FF2B5EF4-FFF2-40B4-BE49-F238E27FC236}">
-                <a16:creationId xmlns:a16="http://schemas.microsoft.com/office/drawing/2014/main" id="{437DA9EE-0AE3-E849-9D47-C012AF08BB7C}"/>
-              </a:ext>
-            </a:extLst>
-          </p:cNvPr>
-          <p:cNvSpPr txBox="1"/>
-          <p:nvPr/>
-        </p:nvSpPr>
-        <p:spPr>
-          <a:xfrm>
-            <a:off x="875778" y="2599627"/>
-            <a:ext cx="10601640" cy="2601481"/>
-          </a:xfrm>
-          <a:prstGeom prst="rect">
-            <a:avLst/>
-          </a:prstGeom>
-          <a:noFill/>
-        </p:spPr>
-        <p:txBody>
-          <a:bodyPr wrap="square" rtlCol="0">
-            <a:spAutoFit/>
-          </a:bodyPr>
-          <a:lstStyle/>
-          <a:p>
-            <a:pPr>
-              <a:lnSpc>
-                <a:spcPct val="150000"/>
-              </a:lnSpc>
-            </a:pPr>
-            <a:r>
-              <a:rPr kumimoji="1" lang="zh-CN" altLang="en-US" sz="2800" dirty="0">
-                <a:highlight>
-                  <a:srgbClr val="FF0000"/>
-                </a:highlight>
-                <a:latin typeface="Microsoft YaHei" panose="020B0503020204020204" pitchFamily="34" charset="-122"/>
-                <a:ea typeface="Microsoft YaHei" panose="020B0503020204020204" pitchFamily="34" charset="-122"/>
-              </a:rPr>
-              <a:t>未声明、未初始化的变量和未使用的变量 </a:t>
-            </a:r>
-            <a:endParaRPr kumimoji="1" lang="en-US" altLang="zh-CN" sz="2800" dirty="0">
-              <a:highlight>
-                <a:srgbClr val="FF0000"/>
-              </a:highlight>
-              <a:latin typeface="Microsoft YaHei" panose="020B0503020204020204" pitchFamily="34" charset="-122"/>
-              <a:ea typeface="Microsoft YaHei" panose="020B0503020204020204" pitchFamily="34" charset="-122"/>
-            </a:endParaRPr>
-          </a:p>
-          <a:p>
-            <a:pPr marL="514350" indent="-514350">
-              <a:lnSpc>
-                <a:spcPct val="150000"/>
-              </a:lnSpc>
-              <a:buFont typeface="+mj-lt"/>
-              <a:buAutoNum type="arabicPeriod"/>
-            </a:pPr>
-            <a:r>
-              <a:rPr kumimoji="1" lang="zh-CN" altLang="en-US" sz="2800" dirty="0">
-                <a:latin typeface="Microsoft YaHei" panose="020B0503020204020204" pitchFamily="34" charset="-122"/>
-                <a:ea typeface="Microsoft YaHei" panose="020B0503020204020204" pitchFamily="34" charset="-122"/>
-              </a:rPr>
-              <a:t>使用未声明的变量会出错</a:t>
-            </a:r>
-            <a:endParaRPr kumimoji="1" lang="en-US" altLang="zh-CN" sz="2800" dirty="0">
-              <a:latin typeface="Microsoft YaHei" panose="020B0503020204020204" pitchFamily="34" charset="-122"/>
-              <a:ea typeface="Microsoft YaHei" panose="020B0503020204020204" pitchFamily="34" charset="-122"/>
-            </a:endParaRPr>
-          </a:p>
-          <a:p>
-            <a:pPr marL="514350" indent="-514350">
-              <a:lnSpc>
-                <a:spcPct val="150000"/>
-              </a:lnSpc>
-              <a:buFont typeface="+mj-lt"/>
-              <a:buAutoNum type="arabicPeriod"/>
-            </a:pPr>
-            <a:r>
-              <a:rPr kumimoji="1" lang="zh-CN" altLang="en-US" sz="2800" dirty="0">
-                <a:latin typeface="Microsoft YaHei" panose="020B0503020204020204" pitchFamily="34" charset="-122"/>
-                <a:ea typeface="Microsoft YaHei" panose="020B0503020204020204" pitchFamily="34" charset="-122"/>
-              </a:rPr>
-              <a:t>使用未初始化的变量有可能会产生错误</a:t>
-            </a:r>
-            <a:endParaRPr kumimoji="1" lang="en-US" altLang="zh-CN" sz="2800" dirty="0">
-              <a:latin typeface="Microsoft YaHei" panose="020B0503020204020204" pitchFamily="34" charset="-122"/>
-              <a:ea typeface="Microsoft YaHei" panose="020B0503020204020204" pitchFamily="34" charset="-122"/>
-            </a:endParaRPr>
-          </a:p>
-          <a:p>
-            <a:pPr marL="514350" indent="-514350">
-              <a:lnSpc>
-                <a:spcPct val="150000"/>
-              </a:lnSpc>
-              <a:buFont typeface="+mj-lt"/>
-              <a:buAutoNum type="arabicPeriod"/>
-            </a:pPr>
-            <a:r>
-              <a:rPr kumimoji="1" lang="zh-CN" altLang="en-US" sz="2800" dirty="0">
-                <a:latin typeface="Microsoft YaHei" panose="020B0503020204020204" pitchFamily="34" charset="-122"/>
-                <a:ea typeface="Microsoft YaHei" panose="020B0503020204020204" pitchFamily="34" charset="-122"/>
-              </a:rPr>
-              <a:t>声明变量，但不使用，一般的编译器会提示，需要删除</a:t>
-            </a:r>
-          </a:p>
-        </p:txBody>
-      </p:sp>
-    </p:spTree>
-    <p:extLst>
-      <p:ext uri="{BB962C8B-B14F-4D97-AF65-F5344CB8AC3E}">
-        <p14:creationId xmlns:p14="http://schemas.microsoft.com/office/powerpoint/2010/main" val="76332531"/>
-      </p:ext>
-    </p:extLst>
-  </p:cSld>
-  <p:clrMapOvr>
-    <a:masterClrMapping/>
-  </p:clrMapOvr>
-</p:sld>
-</file>
-
-<file path=ppt/slides/slide13.xml><?xml version="1.0" encoding="utf-8"?>
-<p:sld xmlns:a="http://schemas.openxmlformats.org/drawingml/2006/main" xmlns:r="http://schemas.openxmlformats.org/officeDocument/2006/relationships" xmlns:p="http://schemas.openxmlformats.org/presentationml/2006/main">
-  <p:cSld>
-    <p:bg>
-      <p:bgPr>
-        <a:blipFill>
-          <a:blip r:embed="rId3"/>
-          <a:tile tx="0" ty="0" sx="100000" sy="100000" flip="none" algn="tl"/>
-        </a:blipFill>
-        <a:effectLst/>
-      </p:bgPr>
-    </p:bg>
-    <p:spTree>
-      <p:nvGrpSpPr>
-        <p:cNvPr id="1" name=""/>
-        <p:cNvGrpSpPr/>
-        <p:nvPr/>
-      </p:nvGrpSpPr>
-      <p:grpSpPr>
-        <a:xfrm>
-          <a:off x="0" y="0"/>
-          <a:ext cx="0" cy="0"/>
-          <a:chOff x="0" y="0"/>
-          <a:chExt cx="0" cy="0"/>
-        </a:xfrm>
-      </p:grpSpPr>
-      <p:sp>
-        <p:nvSpPr>
-          <p:cNvPr id="2" name="文本框 1">
-            <a:extLst>
-              <a:ext uri="{FF2B5EF4-FFF2-40B4-BE49-F238E27FC236}">
-                <a16:creationId xmlns:a16="http://schemas.microsoft.com/office/drawing/2014/main" id="{12AA8BCC-7B15-4842-80C2-48C079429338}"/>
-              </a:ext>
-            </a:extLst>
-          </p:cNvPr>
-          <p:cNvSpPr txBox="1"/>
-          <p:nvPr/>
-        </p:nvSpPr>
-        <p:spPr>
-          <a:xfrm>
-            <a:off x="2520000" y="720000"/>
-            <a:ext cx="7735824" cy="830997"/>
-          </a:xfrm>
-          <a:prstGeom prst="rect">
-            <a:avLst/>
-          </a:prstGeom>
-          <a:noFill/>
-        </p:spPr>
-        <p:txBody>
-          <a:bodyPr wrap="square" rtlCol="0">
-            <a:spAutoFit/>
-          </a:bodyPr>
-          <a:lstStyle/>
-          <a:p>
-            <a:pPr algn="ctr"/>
-            <a:r>
-              <a:rPr kumimoji="1" lang="en-US" altLang="zh-CN" sz="4800" dirty="0">
-                <a:latin typeface="Microsoft YaHei" panose="020B0503020204020204" pitchFamily="34" charset="-122"/>
-                <a:ea typeface="Microsoft YaHei" panose="020B0503020204020204" pitchFamily="34" charset="-122"/>
-              </a:rPr>
-              <a:t>6.</a:t>
-            </a:r>
-            <a:r>
-              <a:rPr kumimoji="1" lang="zh-CN" altLang="en-US" sz="4800" dirty="0">
-                <a:latin typeface="Microsoft YaHei" panose="020B0503020204020204" pitchFamily="34" charset="-122"/>
-                <a:ea typeface="Microsoft YaHei" panose="020B0503020204020204" pitchFamily="34" charset="-122"/>
-              </a:rPr>
-              <a:t> 常见错误 </a:t>
-            </a:r>
-            <a:r>
-              <a:rPr kumimoji="1" lang="en-US" altLang="zh-CN" sz="4800" dirty="0">
-                <a:latin typeface="Microsoft YaHei" panose="020B0503020204020204" pitchFamily="34" charset="-122"/>
-                <a:ea typeface="Microsoft YaHei" panose="020B0503020204020204" pitchFamily="34" charset="-122"/>
-              </a:rPr>
-              <a:t>2</a:t>
-            </a:r>
-            <a:endParaRPr kumimoji="1" lang="zh-CN" altLang="en-US" sz="4800" dirty="0">
-              <a:latin typeface="Microsoft YaHei" panose="020B0503020204020204" pitchFamily="34" charset="-122"/>
-              <a:ea typeface="Microsoft YaHei" panose="020B0503020204020204" pitchFamily="34" charset="-122"/>
-            </a:endParaRPr>
-          </a:p>
-        </p:txBody>
-      </p:sp>
-      <p:sp>
-        <p:nvSpPr>
-          <p:cNvPr id="4" name="文本框 3">
-            <a:extLst>
-              <a:ext uri="{FF2B5EF4-FFF2-40B4-BE49-F238E27FC236}">
-                <a16:creationId xmlns:a16="http://schemas.microsoft.com/office/drawing/2014/main" id="{437DA9EE-0AE3-E849-9D47-C012AF08BB7C}"/>
-              </a:ext>
-            </a:extLst>
-          </p:cNvPr>
-          <p:cNvSpPr txBox="1"/>
-          <p:nvPr/>
-        </p:nvSpPr>
-        <p:spPr>
-          <a:xfrm>
-            <a:off x="875778" y="2599627"/>
-            <a:ext cx="10601640" cy="3323987"/>
-          </a:xfrm>
-          <a:prstGeom prst="rect">
-            <a:avLst/>
-          </a:prstGeom>
-          <a:noFill/>
-        </p:spPr>
-        <p:txBody>
-          <a:bodyPr wrap="square" rtlCol="0">
-            <a:spAutoFit/>
-          </a:bodyPr>
-          <a:lstStyle/>
-          <a:p>
-            <a:pPr>
-              <a:lnSpc>
-                <a:spcPct val="150000"/>
-              </a:lnSpc>
-            </a:pPr>
-            <a:r>
-              <a:rPr kumimoji="1" lang="zh-CN" altLang="en-US" sz="2800" dirty="0">
-                <a:highlight>
-                  <a:srgbClr val="FF0000"/>
-                </a:highlight>
-                <a:latin typeface="Microsoft YaHei" panose="020B0503020204020204" pitchFamily="34" charset="-122"/>
-                <a:ea typeface="Microsoft YaHei" panose="020B0503020204020204" pitchFamily="34" charset="-122"/>
-              </a:rPr>
-              <a:t>整数溢出 </a:t>
-            </a:r>
-            <a:endParaRPr kumimoji="1" lang="en-US" altLang="zh-CN" sz="2800" dirty="0">
-              <a:highlight>
-                <a:srgbClr val="FF0000"/>
-              </a:highlight>
-              <a:latin typeface="Microsoft YaHei" panose="020B0503020204020204" pitchFamily="34" charset="-122"/>
-              <a:ea typeface="Microsoft YaHei" panose="020B0503020204020204" pitchFamily="34" charset="-122"/>
-            </a:endParaRPr>
-          </a:p>
-          <a:p>
-            <a:r>
-              <a:rPr lang="zh-CN" altLang="en-US" sz="2800" dirty="0"/>
-              <a:t>数字以有限的位数存储。当一个变量被陚予一个过大</a:t>
-            </a:r>
-            <a:r>
-              <a:rPr lang="en-US" altLang="zh-CN" sz="2800" dirty="0"/>
-              <a:t>(</a:t>
-            </a:r>
-            <a:r>
-              <a:rPr lang="zh-CN" altLang="en-US" sz="2800" dirty="0"/>
-              <a:t>以存储大小而言</a:t>
-            </a:r>
-            <a:r>
-              <a:rPr lang="en-US" altLang="zh-CN" sz="2800" dirty="0"/>
-              <a:t>)</a:t>
-            </a:r>
-            <a:r>
-              <a:rPr lang="zh-CN" altLang="en-US" sz="2800" dirty="0"/>
-              <a:t>的值，以至无 法存储该值，这称为溢出。</a:t>
-            </a:r>
-            <a:endParaRPr lang="en-US" altLang="zh-CN" sz="2800" dirty="0"/>
-          </a:p>
-          <a:p>
-            <a:r>
-              <a:rPr lang="en-US" altLang="zh-CN" sz="2800" dirty="0"/>
-              <a:t>int</a:t>
-            </a:r>
-            <a:r>
-              <a:rPr lang="zh-CN" altLang="en-US" sz="2800" dirty="0"/>
-              <a:t>类型变量中可以存储的最大值是 </a:t>
-            </a:r>
-            <a:r>
-              <a:rPr lang="en-US" altLang="zh-CN" sz="2800" dirty="0"/>
-              <a:t>2147483647</a:t>
-            </a:r>
-            <a:r>
-              <a:rPr lang="zh-CN" altLang="en-US" sz="2800" dirty="0"/>
-              <a:t>。</a:t>
-            </a:r>
-            <a:r>
-              <a:rPr lang="en-US" altLang="zh-CN" sz="2800" dirty="0"/>
-              <a:t>2147483648 </a:t>
-            </a:r>
-            <a:r>
-              <a:rPr lang="zh-CN" altLang="en-US" sz="2800" dirty="0"/>
-              <a:t>将超出 </a:t>
-            </a:r>
-            <a:r>
-              <a:rPr lang="en-US" altLang="zh-CN" sz="2800" dirty="0"/>
-              <a:t>int </a:t>
-            </a:r>
-            <a:r>
-              <a:rPr lang="zh-CN" altLang="en-US" sz="2800" dirty="0"/>
-              <a:t>值的范围。 </a:t>
-            </a:r>
-          </a:p>
-          <a:p>
-            <a:r>
-              <a:rPr lang="en-US" altLang="zh-CN" sz="2800" dirty="0" err="1"/>
-              <a:t>Intvalue</a:t>
-            </a:r>
-            <a:r>
-              <a:rPr lang="en-US" altLang="zh-CN" sz="2800" dirty="0"/>
-              <a:t>= 2147483647+1; </a:t>
-            </a:r>
-            <a:r>
-              <a:rPr lang="zh-CN" altLang="en-US" sz="2800" dirty="0"/>
-              <a:t> </a:t>
-            </a:r>
-            <a:endParaRPr lang="en-US" altLang="zh-CN" sz="2800" dirty="0"/>
-          </a:p>
-          <a:p>
-            <a:r>
-              <a:rPr lang="zh-CN" altLang="en-US" sz="2800" dirty="0">
-                <a:highlight>
-                  <a:srgbClr val="00FFFF"/>
-                </a:highlight>
-              </a:rPr>
-              <a:t>思考：那</a:t>
-            </a:r>
-            <a:r>
-              <a:rPr lang="en-US" altLang="zh-CN" sz="2800" dirty="0">
-                <a:highlight>
-                  <a:srgbClr val="00FFFF"/>
-                </a:highlight>
-              </a:rPr>
-              <a:t>int</a:t>
-            </a:r>
-            <a:r>
-              <a:rPr lang="zh-CN" altLang="en-US" sz="2800" dirty="0">
-                <a:highlight>
-                  <a:srgbClr val="00FFFF"/>
-                </a:highlight>
-              </a:rPr>
-              <a:t>的最小值是多少？</a:t>
-            </a:r>
-            <a:endParaRPr lang="en-US" altLang="zh-CN" sz="2800" dirty="0">
-              <a:highlight>
-                <a:srgbClr val="00FFFF"/>
-              </a:highlight>
-            </a:endParaRPr>
-          </a:p>
-        </p:txBody>
-      </p:sp>
-    </p:spTree>
-    <p:extLst>
-      <p:ext uri="{BB962C8B-B14F-4D97-AF65-F5344CB8AC3E}">
-        <p14:creationId xmlns:p14="http://schemas.microsoft.com/office/powerpoint/2010/main" val="829273768"/>
-      </p:ext>
-    </p:extLst>
-  </p:cSld>
-  <p:clrMapOvr>
-    <a:masterClrMapping/>
-  </p:clrMapOvr>
-</p:sld>
-</file>
-
-<file path=ppt/slides/slide14.xml><?xml version="1.0" encoding="utf-8"?>
-<p:sld xmlns:a="http://schemas.openxmlformats.org/drawingml/2006/main" xmlns:r="http://schemas.openxmlformats.org/officeDocument/2006/relationships" xmlns:p="http://schemas.openxmlformats.org/presentationml/2006/main">
-  <p:cSld>
-    <p:bg>
-      <p:bgPr>
-        <a:blipFill>
-          <a:blip r:embed="rId3"/>
-          <a:tile tx="0" ty="0" sx="100000" sy="100000" flip="none" algn="tl"/>
-        </a:blipFill>
-        <a:effectLst/>
-      </p:bgPr>
-    </p:bg>
-    <p:spTree>
-      <p:nvGrpSpPr>
-        <p:cNvPr id="1" name=""/>
-        <p:cNvGrpSpPr/>
-        <p:nvPr/>
-      </p:nvGrpSpPr>
-      <p:grpSpPr>
-        <a:xfrm>
-          <a:off x="0" y="0"/>
-          <a:ext cx="0" cy="0"/>
-          <a:chOff x="0" y="0"/>
-          <a:chExt cx="0" cy="0"/>
-        </a:xfrm>
-      </p:grpSpPr>
-      <p:sp>
-        <p:nvSpPr>
-          <p:cNvPr id="2" name="文本框 1">
-            <a:extLst>
-              <a:ext uri="{FF2B5EF4-FFF2-40B4-BE49-F238E27FC236}">
-                <a16:creationId xmlns:a16="http://schemas.microsoft.com/office/drawing/2014/main" id="{12AA8BCC-7B15-4842-80C2-48C079429338}"/>
-              </a:ext>
-            </a:extLst>
-          </p:cNvPr>
-          <p:cNvSpPr txBox="1"/>
-          <p:nvPr/>
-        </p:nvSpPr>
-        <p:spPr>
-          <a:xfrm>
-            <a:off x="2520000" y="720000"/>
-            <a:ext cx="7735824" cy="830997"/>
-          </a:xfrm>
-          <a:prstGeom prst="rect">
-            <a:avLst/>
-          </a:prstGeom>
-          <a:noFill/>
-        </p:spPr>
-        <p:txBody>
-          <a:bodyPr wrap="square" rtlCol="0">
-            <a:spAutoFit/>
-          </a:bodyPr>
-          <a:lstStyle/>
-          <a:p>
-            <a:pPr algn="ctr"/>
-            <a:r>
-              <a:rPr kumimoji="1" lang="en-US" altLang="zh-CN" sz="4800" dirty="0">
-                <a:latin typeface="Microsoft YaHei" panose="020B0503020204020204" pitchFamily="34" charset="-122"/>
-                <a:ea typeface="Microsoft YaHei" panose="020B0503020204020204" pitchFamily="34" charset="-122"/>
-              </a:rPr>
-              <a:t>6.</a:t>
-            </a:r>
-            <a:r>
-              <a:rPr kumimoji="1" lang="zh-CN" altLang="en-US" sz="4800" dirty="0">
-                <a:latin typeface="Microsoft YaHei" panose="020B0503020204020204" pitchFamily="34" charset="-122"/>
-                <a:ea typeface="Microsoft YaHei" panose="020B0503020204020204" pitchFamily="34" charset="-122"/>
-              </a:rPr>
-              <a:t> 常见错误 </a:t>
-            </a:r>
-            <a:r>
-              <a:rPr kumimoji="1" lang="en-US" altLang="zh-CN" sz="4800" dirty="0">
-                <a:latin typeface="Microsoft YaHei" panose="020B0503020204020204" pitchFamily="34" charset="-122"/>
-                <a:ea typeface="Microsoft YaHei" panose="020B0503020204020204" pitchFamily="34" charset="-122"/>
-              </a:rPr>
-              <a:t>3</a:t>
-            </a:r>
-            <a:endParaRPr kumimoji="1" lang="zh-CN" altLang="en-US" sz="4800" dirty="0">
-              <a:latin typeface="Microsoft YaHei" panose="020B0503020204020204" pitchFamily="34" charset="-122"/>
-              <a:ea typeface="Microsoft YaHei" panose="020B0503020204020204" pitchFamily="34" charset="-122"/>
-            </a:endParaRPr>
-          </a:p>
-        </p:txBody>
-      </p:sp>
-      <p:sp>
-        <p:nvSpPr>
-          <p:cNvPr id="4" name="文本框 3">
-            <a:extLst>
-              <a:ext uri="{FF2B5EF4-FFF2-40B4-BE49-F238E27FC236}">
-                <a16:creationId xmlns:a16="http://schemas.microsoft.com/office/drawing/2014/main" id="{437DA9EE-0AE3-E849-9D47-C012AF08BB7C}"/>
-              </a:ext>
-            </a:extLst>
-          </p:cNvPr>
-          <p:cNvSpPr txBox="1"/>
-          <p:nvPr/>
-        </p:nvSpPr>
-        <p:spPr>
-          <a:xfrm>
-            <a:off x="875778" y="2599627"/>
-            <a:ext cx="10601640" cy="523220"/>
-          </a:xfrm>
-          <a:prstGeom prst="rect">
-            <a:avLst/>
-          </a:prstGeom>
-          <a:noFill/>
-        </p:spPr>
-        <p:txBody>
-          <a:bodyPr wrap="square" rtlCol="0">
-            <a:spAutoFit/>
-          </a:bodyPr>
-          <a:lstStyle/>
-          <a:p>
-            <a:r>
-              <a:rPr lang="zh-CN" altLang="en-US" sz="2800" dirty="0">
-                <a:highlight>
-                  <a:srgbClr val="FF0000"/>
-                </a:highlight>
-              </a:rPr>
-              <a:t>超出预期的整数除法 </a:t>
-            </a:r>
-            <a:r>
-              <a:rPr kumimoji="1" lang="zh-CN" altLang="en-US" sz="2800" dirty="0">
-                <a:highlight>
-                  <a:srgbClr val="FF0000"/>
-                </a:highlight>
-                <a:latin typeface="Microsoft YaHei" panose="020B0503020204020204" pitchFamily="34" charset="-122"/>
-                <a:ea typeface="Microsoft YaHei" panose="020B0503020204020204" pitchFamily="34" charset="-122"/>
-              </a:rPr>
-              <a:t> </a:t>
-            </a:r>
-            <a:endParaRPr kumimoji="1" lang="en-US" altLang="zh-CN" sz="2800" dirty="0">
-              <a:highlight>
-                <a:srgbClr val="FF0000"/>
-              </a:highlight>
-              <a:latin typeface="Microsoft YaHei" panose="020B0503020204020204" pitchFamily="34" charset="-122"/>
-              <a:ea typeface="Microsoft YaHei" panose="020B0503020204020204" pitchFamily="34" charset="-122"/>
-            </a:endParaRPr>
-          </a:p>
-        </p:txBody>
-      </p:sp>
-      <p:pic>
-        <p:nvPicPr>
-          <p:cNvPr id="3" name="图片 2">
-            <a:extLst>
-              <a:ext uri="{FF2B5EF4-FFF2-40B4-BE49-F238E27FC236}">
-                <a16:creationId xmlns:a16="http://schemas.microsoft.com/office/drawing/2014/main" id="{11CB5C24-8959-BE48-ADA3-7A48DDADF719}"/>
-              </a:ext>
-            </a:extLst>
-          </p:cNvPr>
-          <p:cNvPicPr>
-            <a:picLocks noChangeAspect="1"/>
-          </p:cNvPicPr>
-          <p:nvPr/>
-        </p:nvPicPr>
-        <p:blipFill>
-          <a:blip r:embed="rId4"/>
-          <a:stretch>
-            <a:fillRect/>
-          </a:stretch>
-        </p:blipFill>
-        <p:spPr>
-          <a:xfrm>
-            <a:off x="554182" y="3429000"/>
-            <a:ext cx="11637818" cy="1926120"/>
-          </a:xfrm>
-          <a:prstGeom prst="rect">
-            <a:avLst/>
-          </a:prstGeom>
-        </p:spPr>
-      </p:pic>
-      <p:sp>
-        <p:nvSpPr>
-          <p:cNvPr id="5" name="文本框 4">
-            <a:extLst>
-              <a:ext uri="{FF2B5EF4-FFF2-40B4-BE49-F238E27FC236}">
-                <a16:creationId xmlns:a16="http://schemas.microsoft.com/office/drawing/2014/main" id="{9172D58E-42F2-7841-B8A5-7E368BC93EB3}"/>
-              </a:ext>
-            </a:extLst>
-          </p:cNvPr>
-          <p:cNvSpPr txBox="1"/>
-          <p:nvPr/>
-        </p:nvSpPr>
-        <p:spPr>
-          <a:xfrm>
-            <a:off x="1641764" y="5652655"/>
-            <a:ext cx="2888672" cy="523220"/>
-          </a:xfrm>
-          <a:prstGeom prst="rect">
-            <a:avLst/>
-          </a:prstGeom>
-          <a:noFill/>
-        </p:spPr>
-        <p:txBody>
-          <a:bodyPr wrap="square" rtlCol="0">
-            <a:spAutoFit/>
-          </a:bodyPr>
-          <a:lstStyle/>
-          <a:p>
-            <a:r>
-              <a:rPr kumimoji="1" lang="zh-CN" altLang="en-US" sz="2800" dirty="0"/>
-              <a:t>结果是：</a:t>
-            </a:r>
-            <a:r>
-              <a:rPr kumimoji="1" lang="en-US" altLang="zh-CN" sz="2800" dirty="0"/>
-              <a:t>1</a:t>
-            </a:r>
-            <a:endParaRPr kumimoji="1" lang="zh-CN" altLang="en-US" sz="2800" dirty="0"/>
-          </a:p>
-        </p:txBody>
-      </p:sp>
-      <p:sp>
-        <p:nvSpPr>
-          <p:cNvPr id="6" name="文本框 5">
-            <a:extLst>
-              <a:ext uri="{FF2B5EF4-FFF2-40B4-BE49-F238E27FC236}">
-                <a16:creationId xmlns:a16="http://schemas.microsoft.com/office/drawing/2014/main" id="{8E4A7340-2E87-4148-A773-47E538E66983}"/>
-              </a:ext>
-            </a:extLst>
-          </p:cNvPr>
-          <p:cNvSpPr txBox="1"/>
-          <p:nvPr/>
-        </p:nvSpPr>
-        <p:spPr>
-          <a:xfrm>
-            <a:off x="7512624" y="5647915"/>
-            <a:ext cx="2888672" cy="523220"/>
-          </a:xfrm>
-          <a:prstGeom prst="rect">
-            <a:avLst/>
-          </a:prstGeom>
-          <a:noFill/>
-        </p:spPr>
-        <p:txBody>
-          <a:bodyPr wrap="square" rtlCol="0">
-            <a:spAutoFit/>
-          </a:bodyPr>
-          <a:lstStyle/>
-          <a:p>
-            <a:r>
-              <a:rPr kumimoji="1" lang="zh-CN" altLang="en-US" sz="2800" dirty="0"/>
-              <a:t>结果是：</a:t>
-            </a:r>
-            <a:r>
-              <a:rPr kumimoji="1" lang="en-US" altLang="zh-CN" sz="2800" dirty="0"/>
-              <a:t>1.5</a:t>
-            </a:r>
-            <a:endParaRPr kumimoji="1" lang="zh-CN" altLang="en-US" sz="2800" dirty="0"/>
-          </a:p>
-        </p:txBody>
-      </p:sp>
-    </p:spTree>
-    <p:extLst>
-      <p:ext uri="{BB962C8B-B14F-4D97-AF65-F5344CB8AC3E}">
-        <p14:creationId xmlns:p14="http://schemas.microsoft.com/office/powerpoint/2010/main" val="354188742"/>
-      </p:ext>
-    </p:extLst>
-  </p:cSld>
-  <p:clrMapOvr>
-    <a:masterClrMapping/>
-  </p:clrMapOvr>
-</p:sld>
-</file>
-
-<file path=ppt/slides/slide15.xml><?xml version="1.0" encoding="utf-8"?>
-<p:sld xmlns:a="http://schemas.openxmlformats.org/drawingml/2006/main" xmlns:r="http://schemas.openxmlformats.org/officeDocument/2006/relationships" xmlns:p="http://schemas.openxmlformats.org/presentationml/2006/main">
-  <p:cSld>
-    <p:bg>
-      <p:bgPr>
-        <a:blipFill>
-          <a:blip r:embed="rId3"/>
-          <a:tile tx="0" ty="0" sx="100000" sy="100000" flip="none" algn="tl"/>
-        </a:blipFill>
-        <a:effectLst/>
-      </p:bgPr>
-    </p:bg>
-    <p:spTree>
-      <p:nvGrpSpPr>
-        <p:cNvPr id="1" name=""/>
-        <p:cNvGrpSpPr/>
-        <p:nvPr/>
-      </p:nvGrpSpPr>
-      <p:grpSpPr>
-        <a:xfrm>
-          <a:off x="0" y="0"/>
-          <a:ext cx="0" cy="0"/>
-          <a:chOff x="0" y="0"/>
-          <a:chExt cx="0" cy="0"/>
-        </a:xfrm>
-      </p:grpSpPr>
-      <p:sp>
-        <p:nvSpPr>
-          <p:cNvPr id="2" name="文本框 1">
-            <a:extLst>
-              <a:ext uri="{FF2B5EF4-FFF2-40B4-BE49-F238E27FC236}">
-                <a16:creationId xmlns:a16="http://schemas.microsoft.com/office/drawing/2014/main" id="{12AA8BCC-7B15-4842-80C2-48C079429338}"/>
-              </a:ext>
-            </a:extLst>
-          </p:cNvPr>
-          <p:cNvSpPr txBox="1"/>
-          <p:nvPr/>
-        </p:nvSpPr>
-        <p:spPr>
-          <a:xfrm>
-            <a:off x="2228088" y="2921168"/>
-            <a:ext cx="7735824" cy="1015663"/>
-          </a:xfrm>
-          <a:prstGeom prst="rect">
-            <a:avLst/>
-          </a:prstGeom>
-          <a:noFill/>
-        </p:spPr>
-        <p:txBody>
-          <a:bodyPr wrap="square" rtlCol="0">
-            <a:spAutoFit/>
-          </a:bodyPr>
-          <a:lstStyle/>
-          <a:p>
-            <a:pPr algn="ctr"/>
-            <a:r>
-              <a:rPr kumimoji="1" lang="zh-CN" altLang="en-US" sz="6000" dirty="0">
-                <a:latin typeface="Microsoft YaHei" panose="020B0503020204020204" pitchFamily="34" charset="-122"/>
-                <a:ea typeface="Microsoft YaHei" panose="020B0503020204020204" pitchFamily="34" charset="-122"/>
-              </a:rPr>
-              <a:t>这堂课我们学了什么？</a:t>
-            </a:r>
-          </a:p>
-        </p:txBody>
-      </p:sp>
-    </p:spTree>
-    <p:extLst>
-      <p:ext uri="{BB962C8B-B14F-4D97-AF65-F5344CB8AC3E}">
-        <p14:creationId xmlns:p14="http://schemas.microsoft.com/office/powerpoint/2010/main" val="3338372476"/>
-      </p:ext>
-    </p:extLst>
-  </p:cSld>
-  <p:clrMapOvr>
-    <a:masterClrMapping/>
-  </p:clrMapOvr>
-</p:sld>
-</file>
-
-<file path=ppt/slides/slide16.xml><?xml version="1.0" encoding="utf-8"?>
-<p:sld xmlns:a="http://schemas.openxmlformats.org/drawingml/2006/main" xmlns:r="http://schemas.openxmlformats.org/officeDocument/2006/relationships" xmlns:p="http://schemas.openxmlformats.org/presentationml/2006/main">
-  <p:cSld>
-    <p:bg>
-      <p:bgPr>
         <a:blipFill dpi="0" rotWithShape="1">
           <a:blip r:embed="rId3">
             <a:lum/>
@@ -6872,7 +4942,7 @@
         <p:spPr>
           <a:xfrm>
             <a:off x="3271084" y="1550997"/>
-            <a:ext cx="7443216" cy="6772276"/>
+            <a:ext cx="7443216" cy="6125945"/>
           </a:xfrm>
           <a:prstGeom prst="rect">
             <a:avLst/>
@@ -6959,21 +5029,6 @@
                 <a:ea typeface="Microsoft YaHei" panose="020B0503020204020204" pitchFamily="34" charset="-122"/>
               </a:rPr>
               <a:t>For</a:t>
-            </a:r>
-          </a:p>
-          <a:p>
-            <a:pPr marL="571500" indent="-571500">
-              <a:lnSpc>
-                <a:spcPct val="150000"/>
-              </a:lnSpc>
-              <a:buFont typeface="Wingdings" pitchFamily="2" charset="2"/>
-              <a:buChar char="Ø"/>
-            </a:pPr>
-            <a:r>
-              <a:rPr kumimoji="1" lang="en-US" altLang="zh-CN" sz="2800" dirty="0">
-                <a:ea typeface="Microsoft YaHei" panose="020B0503020204020204" pitchFamily="34" charset="-122"/>
-              </a:rPr>
-              <a:t>foreach</a:t>
             </a:r>
           </a:p>
           <a:p>
@@ -7098,7 +5153,7 @@
                 <a:latin typeface="Microsoft YaHei" panose="020B0503020204020204" pitchFamily="34" charset="-122"/>
                 <a:ea typeface="Microsoft YaHei" panose="020B0503020204020204" pitchFamily="34" charset="-122"/>
               </a:rPr>
-              <a:t> 如何读取控制台数据</a:t>
+              <a:t> 什么是循环</a:t>
             </a:r>
           </a:p>
         </p:txBody>
@@ -7117,8 +5172,8 @@
         </p:nvSpPr>
         <p:spPr>
           <a:xfrm>
-            <a:off x="2374392" y="1550997"/>
-            <a:ext cx="7443216" cy="4537049"/>
+            <a:off x="2520000" y="2699314"/>
+            <a:ext cx="7443216" cy="1953970"/>
           </a:xfrm>
           <a:prstGeom prst="rect">
             <a:avLst/>
@@ -7131,180 +5186,16 @@
           </a:bodyPr>
           <a:lstStyle/>
           <a:p>
-            <a:pPr marL="457200" indent="-457200">
-              <a:lnSpc>
-                <a:spcPct val="150000"/>
-              </a:lnSpc>
-              <a:buFont typeface="Arial" panose="020B0604020202020204" pitchFamily="34" charset="0"/>
-              <a:buChar char="•"/>
-            </a:pPr>
-            <a:r>
-              <a:rPr kumimoji="1" lang="en-US" altLang="zh-CN" sz="2800" dirty="0">
-                <a:latin typeface="Microsoft YaHei" panose="020B0503020204020204" pitchFamily="34" charset="-122"/>
-                <a:ea typeface="Microsoft YaHei" panose="020B0503020204020204" pitchFamily="34" charset="-122"/>
-              </a:rPr>
-              <a:t>C</a:t>
-            </a:r>
-            <a:r>
-              <a:rPr kumimoji="1" lang="zh-CN" altLang="en-US" sz="2800" dirty="0">
-                <a:latin typeface="Microsoft YaHei" panose="020B0503020204020204" pitchFamily="34" charset="-122"/>
-                <a:ea typeface="Microsoft YaHei" panose="020B0503020204020204" pitchFamily="34" charset="-122"/>
-              </a:rPr>
-              <a:t> 语言： </a:t>
-            </a:r>
-            <a:r>
-              <a:rPr kumimoji="1" lang="en-US" altLang="zh-CN" sz="2800" dirty="0" err="1">
-                <a:latin typeface="Microsoft YaHei" panose="020B0503020204020204" pitchFamily="34" charset="-122"/>
-                <a:ea typeface="Microsoft YaHei" panose="020B0503020204020204" pitchFamily="34" charset="-122"/>
-              </a:rPr>
-              <a:t>scanf</a:t>
-            </a:r>
-            <a:r>
-              <a:rPr kumimoji="1" lang="en-US" altLang="zh-CN" sz="2800" dirty="0">
-                <a:latin typeface="Microsoft YaHei" panose="020B0503020204020204" pitchFamily="34" charset="-122"/>
-                <a:ea typeface="Microsoft YaHei" panose="020B0503020204020204" pitchFamily="34" charset="-122"/>
-              </a:rPr>
-              <a:t>(),</a:t>
-            </a:r>
-            <a:r>
-              <a:rPr kumimoji="1" lang="zh-CN" altLang="en-US" sz="2800" dirty="0">
-                <a:latin typeface="Microsoft YaHei" panose="020B0503020204020204" pitchFamily="34" charset="-122"/>
-                <a:ea typeface="Microsoft YaHei" panose="020B0503020204020204" pitchFamily="34" charset="-122"/>
-              </a:rPr>
-              <a:t> </a:t>
-            </a:r>
-            <a:r>
-              <a:rPr kumimoji="1" lang="en-US" altLang="zh-CN" sz="2800" dirty="0" err="1">
-                <a:latin typeface="Microsoft YaHei" panose="020B0503020204020204" pitchFamily="34" charset="-122"/>
-                <a:ea typeface="Microsoft YaHei" panose="020B0503020204020204" pitchFamily="34" charset="-122"/>
-              </a:rPr>
-              <a:t>getChar</a:t>
-            </a:r>
-            <a:r>
-              <a:rPr kumimoji="1" lang="en-US" altLang="zh-CN" sz="2800" dirty="0">
-                <a:latin typeface="Microsoft YaHei" panose="020B0503020204020204" pitchFamily="34" charset="-122"/>
-                <a:ea typeface="Microsoft YaHei" panose="020B0503020204020204" pitchFamily="34" charset="-122"/>
-              </a:rPr>
-              <a:t>()…</a:t>
-            </a:r>
-          </a:p>
-          <a:p>
-            <a:pPr marL="457200" indent="-457200">
-              <a:lnSpc>
-                <a:spcPct val="150000"/>
-              </a:lnSpc>
-              <a:buFont typeface="Arial" panose="020B0604020202020204" pitchFamily="34" charset="0"/>
-              <a:buChar char="•"/>
-            </a:pPr>
-            <a:r>
-              <a:rPr kumimoji="1" lang="en-US" altLang="zh-CN" sz="2800" dirty="0">
-                <a:latin typeface="Microsoft YaHei" panose="020B0503020204020204" pitchFamily="34" charset="-122"/>
-                <a:ea typeface="Microsoft YaHei" panose="020B0503020204020204" pitchFamily="34" charset="-122"/>
-              </a:rPr>
-              <a:t>Java:</a:t>
-            </a:r>
-          </a:p>
-          <a:p>
-            <a:pPr marL="514350" indent="-514350">
-              <a:lnSpc>
-                <a:spcPct val="150000"/>
-              </a:lnSpc>
-              <a:buFont typeface="+mj-lt"/>
-              <a:buAutoNum type="arabicPeriod"/>
-            </a:pPr>
-            <a:r>
-              <a:rPr kumimoji="1" lang="en-US" altLang="zh-CN" sz="2800" dirty="0" err="1">
-                <a:latin typeface="Microsoft YaHei" panose="020B0503020204020204" pitchFamily="34" charset="-122"/>
-                <a:ea typeface="Microsoft YaHei" panose="020B0503020204020204" pitchFamily="34" charset="-122"/>
-              </a:rPr>
-              <a:t>System.out</a:t>
-            </a:r>
-            <a:r>
-              <a:rPr kumimoji="1" lang="zh-CN" altLang="en-US" sz="2800" dirty="0">
-                <a:latin typeface="Microsoft YaHei" panose="020B0503020204020204" pitchFamily="34" charset="-122"/>
-                <a:ea typeface="Microsoft YaHei" panose="020B0503020204020204" pitchFamily="34" charset="-122"/>
-              </a:rPr>
-              <a:t>表示标准输出设备</a:t>
-            </a:r>
-            <a:endParaRPr kumimoji="1" lang="en-US" altLang="zh-CN" sz="2800" dirty="0">
-              <a:latin typeface="Microsoft YaHei" panose="020B0503020204020204" pitchFamily="34" charset="-122"/>
-              <a:ea typeface="Microsoft YaHei" panose="020B0503020204020204" pitchFamily="34" charset="-122"/>
-            </a:endParaRPr>
-          </a:p>
-          <a:p>
-            <a:pPr marL="514350" indent="-514350">
-              <a:lnSpc>
-                <a:spcPct val="150000"/>
-              </a:lnSpc>
-              <a:buFont typeface="+mj-lt"/>
-              <a:buAutoNum type="arabicPeriod"/>
-            </a:pPr>
-            <a:r>
-              <a:rPr kumimoji="1" lang="en-US" altLang="zh-CN" sz="2800" dirty="0" err="1">
-                <a:latin typeface="Microsoft YaHei" panose="020B0503020204020204" pitchFamily="34" charset="-122"/>
-                <a:ea typeface="Microsoft YaHei" panose="020B0503020204020204" pitchFamily="34" charset="-122"/>
-              </a:rPr>
-              <a:t>System.in</a:t>
-            </a:r>
-            <a:r>
-              <a:rPr kumimoji="1" lang="zh-CN" altLang="en-US" sz="2800" dirty="0">
-                <a:latin typeface="Microsoft YaHei" panose="020B0503020204020204" pitchFamily="34" charset="-122"/>
-                <a:ea typeface="Microsoft YaHei" panose="020B0503020204020204" pitchFamily="34" charset="-122"/>
-              </a:rPr>
-              <a:t>表示标准输入设备。</a:t>
-            </a:r>
-            <a:endParaRPr kumimoji="1" lang="en-US" altLang="zh-CN" sz="2800" dirty="0">
-              <a:latin typeface="Microsoft YaHei" panose="020B0503020204020204" pitchFamily="34" charset="-122"/>
-              <a:ea typeface="Microsoft YaHei" panose="020B0503020204020204" pitchFamily="34" charset="-122"/>
-            </a:endParaRPr>
-          </a:p>
-          <a:p>
             <a:pPr>
               <a:lnSpc>
                 <a:spcPct val="150000"/>
               </a:lnSpc>
             </a:pPr>
             <a:r>
-              <a:rPr kumimoji="1" lang="en-US" altLang="zh-CN" sz="2800" dirty="0">
-                <a:latin typeface="Microsoft YaHei" panose="020B0503020204020204" pitchFamily="34" charset="-122"/>
+              <a:rPr kumimoji="1" lang="zh-CN" altLang="en-US" sz="2800" dirty="0">
                 <a:ea typeface="Microsoft YaHei" panose="020B0503020204020204" pitchFamily="34" charset="-122"/>
               </a:rPr>
-              <a:t>Java</a:t>
-            </a:r>
-            <a:r>
-              <a:rPr kumimoji="1" lang="zh-CN" altLang="en-US" sz="2800" dirty="0">
-                <a:latin typeface="Microsoft YaHei" panose="020B0503020204020204" pitchFamily="34" charset="-122"/>
-                <a:ea typeface="Microsoft YaHei" panose="020B0503020204020204" pitchFamily="34" charset="-122"/>
-              </a:rPr>
-              <a:t> 不直接支持控制台输入，但可以用它提供的</a:t>
-            </a:r>
-            <a:r>
-              <a:rPr kumimoji="1" lang="en-US" altLang="zh-CN" sz="2800" dirty="0">
-                <a:latin typeface="Microsoft YaHei" panose="020B0503020204020204" pitchFamily="34" charset="-122"/>
-                <a:ea typeface="Microsoft YaHei" panose="020B0503020204020204" pitchFamily="34" charset="-122"/>
-              </a:rPr>
-              <a:t>Scanner</a:t>
-            </a:r>
-            <a:r>
-              <a:rPr kumimoji="1" lang="zh-CN" altLang="en-US" sz="2800" dirty="0">
-                <a:latin typeface="Microsoft YaHei" panose="020B0503020204020204" pitchFamily="34" charset="-122"/>
-                <a:ea typeface="Microsoft YaHei" panose="020B0503020204020204" pitchFamily="34" charset="-122"/>
-              </a:rPr>
-              <a:t>类读取来自</a:t>
-            </a:r>
-            <a:r>
-              <a:rPr kumimoji="1" lang="en-US" altLang="zh-CN" sz="2800" dirty="0" err="1">
-                <a:latin typeface="Microsoft YaHei" panose="020B0503020204020204" pitchFamily="34" charset="-122"/>
-                <a:ea typeface="Microsoft YaHei" panose="020B0503020204020204" pitchFamily="34" charset="-122"/>
-              </a:rPr>
-              <a:t>System.in</a:t>
-            </a:r>
-            <a:r>
-              <a:rPr kumimoji="1" lang="zh-CN" altLang="en-US" sz="2800" dirty="0">
-                <a:latin typeface="Microsoft YaHei" panose="020B0503020204020204" pitchFamily="34" charset="-122"/>
-                <a:ea typeface="Microsoft YaHei" panose="020B0503020204020204" pitchFamily="34" charset="-122"/>
-              </a:rPr>
-              <a:t>的输入。</a:t>
+              <a:t>让程序重复做一件事情，而不需要因为次数而写多余的代码</a:t>
             </a:r>
             <a:endParaRPr kumimoji="1" lang="en-US" altLang="zh-CN" sz="2800" dirty="0">
               <a:ea typeface="Microsoft YaHei" panose="020B0503020204020204" pitchFamily="34" charset="-122"/>
@@ -7385,196 +5276,45 @@
                 <a:latin typeface="Microsoft YaHei" panose="020B0503020204020204" pitchFamily="34" charset="-122"/>
                 <a:ea typeface="Microsoft YaHei" panose="020B0503020204020204" pitchFamily="34" charset="-122"/>
               </a:rPr>
-              <a:t>2.</a:t>
-            </a:r>
-            <a:r>
-              <a:rPr kumimoji="1" lang="zh-CN" altLang="en-US" sz="4800" dirty="0">
-                <a:latin typeface="Microsoft YaHei" panose="020B0503020204020204" pitchFamily="34" charset="-122"/>
-                <a:ea typeface="Microsoft YaHei" panose="020B0503020204020204" pitchFamily="34" charset="-122"/>
-              </a:rPr>
-              <a:t>标识符</a:t>
-            </a:r>
-          </a:p>
-        </p:txBody>
-      </p:sp>
-      <p:sp>
-        <p:nvSpPr>
-          <p:cNvPr id="3" name="文本框 2">
-            <a:extLst>
-              <a:ext uri="{FF2B5EF4-FFF2-40B4-BE49-F238E27FC236}">
-                <a16:creationId xmlns:a16="http://schemas.microsoft.com/office/drawing/2014/main" id="{C0CFBE9F-84F2-FE48-AC8E-D41196C42DBA}"/>
-              </a:ext>
-            </a:extLst>
-          </p:cNvPr>
-          <p:cNvSpPr txBox="1"/>
+              <a:t>2.while</a:t>
+            </a:r>
+            <a:endParaRPr kumimoji="1" lang="zh-CN" altLang="en-US" sz="4800" dirty="0">
+              <a:latin typeface="Microsoft YaHei" panose="020B0503020204020204" pitchFamily="34" charset="-122"/>
+              <a:ea typeface="Microsoft YaHei" panose="020B0503020204020204" pitchFamily="34" charset="-122"/>
+            </a:endParaRPr>
+          </a:p>
+        </p:txBody>
+      </p:sp>
+      <p:pic>
+        <p:nvPicPr>
+          <p:cNvPr id="4" name="图片 3">
+            <a:extLst>
+              <a:ext uri="{FF2B5EF4-FFF2-40B4-BE49-F238E27FC236}">
+                <a16:creationId xmlns:a16="http://schemas.microsoft.com/office/drawing/2014/main" id="{6EE3C00C-0FC5-D94E-8E58-2A5654E17F49}"/>
+              </a:ext>
+            </a:extLst>
+          </p:cNvPr>
+          <p:cNvPicPr>
+            <a:picLocks noChangeAspect="1"/>
+          </p:cNvPicPr>
           <p:nvPr/>
-        </p:nvSpPr>
+        </p:nvPicPr>
+        <p:blipFill>
+          <a:blip r:embed="rId4"/>
+          <a:stretch>
+            <a:fillRect/>
+          </a:stretch>
+        </p:blipFill>
         <p:spPr>
           <a:xfrm>
-            <a:off x="1731818" y="2015173"/>
-            <a:ext cx="8728364" cy="4109587"/>
+            <a:off x="2820285" y="2576743"/>
+            <a:ext cx="7188277" cy="2591123"/>
           </a:xfrm>
           <a:prstGeom prst="rect">
             <a:avLst/>
           </a:prstGeom>
-          <a:noFill/>
         </p:spPr>
-        <p:txBody>
-          <a:bodyPr wrap="square" rtlCol="0">
-            <a:spAutoFit/>
-          </a:bodyPr>
-          <a:lstStyle/>
-          <a:p>
-            <a:pPr marL="457200" indent="-457200">
-              <a:buFont typeface="Arial" panose="020B0604020202020204" pitchFamily="34" charset="0"/>
-              <a:buChar char="•"/>
-            </a:pPr>
-            <a:r>
-              <a:rPr lang="zh-CN" altLang="en-US" sz="2800" dirty="0"/>
-              <a:t>标识符</a:t>
-            </a:r>
-            <a:r>
-              <a:rPr lang="en-US" altLang="zh-CN" sz="2800" dirty="0"/>
-              <a:t>:</a:t>
-            </a:r>
-            <a:r>
-              <a:rPr lang="zh-CN" altLang="en-US" sz="2800" dirty="0"/>
-              <a:t>  为了标识程序中的变量，函数，类而采用的命名。是由字母、数字、下划线</a:t>
-            </a:r>
-            <a:r>
-              <a:rPr lang="en-US" altLang="zh-CN" sz="2800" dirty="0"/>
-              <a:t>(_)</a:t>
-            </a:r>
-            <a:r>
-              <a:rPr lang="zh-CN" altLang="en-US" sz="2800" dirty="0"/>
-              <a:t>和美元符号</a:t>
-            </a:r>
-            <a:r>
-              <a:rPr lang="en-US" altLang="zh-CN" sz="2800" dirty="0"/>
-              <a:t>($)</a:t>
-            </a:r>
-            <a:r>
-              <a:rPr lang="zh-CN" altLang="en-US" sz="2800" dirty="0"/>
-              <a:t>构成的字符序列。 </a:t>
-            </a:r>
-          </a:p>
-          <a:p>
-            <a:pPr marL="457200" indent="-457200">
-              <a:buFont typeface="Arial" panose="020B0604020202020204" pitchFamily="34" charset="0"/>
-              <a:buChar char="•"/>
-            </a:pPr>
-            <a:r>
-              <a:rPr lang="zh-CN" altLang="en-US" sz="2800" dirty="0"/>
-              <a:t>标识符必须以字母、下划线</a:t>
-            </a:r>
-            <a:r>
-              <a:rPr lang="en-US" altLang="zh-CN" sz="2800" dirty="0"/>
-              <a:t>(_)</a:t>
-            </a:r>
-            <a:r>
-              <a:rPr lang="zh-CN" altLang="en-US" sz="2800" dirty="0"/>
-              <a:t>或美元符号</a:t>
-            </a:r>
-            <a:r>
-              <a:rPr lang="en-US" altLang="zh-CN" sz="2800" dirty="0"/>
-              <a:t>($)</a:t>
-            </a:r>
-            <a:r>
-              <a:rPr lang="zh-CN" altLang="en-US" sz="2800" dirty="0"/>
-              <a:t>开头，不能以数字开头。 </a:t>
-            </a:r>
-            <a:endParaRPr lang="en-US" altLang="zh-CN" sz="2800" dirty="0"/>
-          </a:p>
-          <a:p>
-            <a:pPr marL="457200" indent="-457200">
-              <a:buFont typeface="Arial" panose="020B0604020202020204" pitchFamily="34" charset="0"/>
-              <a:buChar char="•"/>
-            </a:pPr>
-            <a:r>
-              <a:rPr lang="zh-CN" altLang="en-US" sz="2800" dirty="0"/>
-              <a:t>标识符不能是保留字</a:t>
-            </a:r>
-            <a:r>
-              <a:rPr lang="en-US" altLang="zh-CN" sz="2800" dirty="0"/>
-              <a:t>(</a:t>
-            </a:r>
-            <a:r>
-              <a:rPr lang="zh-CN" altLang="en-US" sz="2800" dirty="0"/>
-              <a:t>参见附录</a:t>
-            </a:r>
-            <a:r>
-              <a:rPr lang="en-US" altLang="zh-CN" sz="2800" dirty="0"/>
-              <a:t>A</a:t>
-            </a:r>
-            <a:r>
-              <a:rPr lang="zh-CN" altLang="en-US" sz="2800" dirty="0"/>
-              <a:t>中的保留字列表</a:t>
-            </a:r>
-            <a:r>
-              <a:rPr lang="en-US" altLang="zh-CN" sz="2800" dirty="0"/>
-              <a:t>)</a:t>
-            </a:r>
-          </a:p>
-          <a:p>
-            <a:pPr marL="457200" indent="-457200">
-              <a:buFont typeface="Arial" panose="020B0604020202020204" pitchFamily="34" charset="0"/>
-              <a:buChar char="•"/>
-            </a:pPr>
-            <a:r>
-              <a:rPr lang="zh-CN" altLang="en-US" sz="2800" dirty="0"/>
-              <a:t>标识符不能是</a:t>
-            </a:r>
-            <a:r>
-              <a:rPr lang="en-US" altLang="zh-CN" sz="2800" dirty="0"/>
-              <a:t>true</a:t>
-            </a:r>
-            <a:r>
-              <a:rPr lang="zh-CN" altLang="en-US" sz="2800" dirty="0"/>
-              <a:t>、</a:t>
-            </a:r>
-            <a:r>
-              <a:rPr lang="en-US" altLang="zh-CN" sz="2800" dirty="0"/>
-              <a:t>false</a:t>
-            </a:r>
-            <a:r>
-              <a:rPr lang="zh-CN" altLang="en-US" sz="2800" dirty="0"/>
-              <a:t>或</a:t>
-            </a:r>
-            <a:r>
-              <a:rPr lang="en-US" altLang="zh-CN" sz="2800" dirty="0"/>
-              <a:t>null</a:t>
-            </a:r>
-            <a:r>
-              <a:rPr lang="zh-CN" altLang="en-US" sz="2800" dirty="0"/>
-              <a:t>。</a:t>
-            </a:r>
-            <a:endParaRPr lang="en-US" altLang="zh-CN" sz="2800" dirty="0"/>
-          </a:p>
-          <a:p>
-            <a:pPr marL="457200" indent="-457200">
-              <a:buFont typeface="Arial" panose="020B0604020202020204" pitchFamily="34" charset="0"/>
-              <a:buChar char="•"/>
-            </a:pPr>
-            <a:r>
-              <a:rPr lang="zh-CN" altLang="en-US" sz="2800" dirty="0"/>
-              <a:t>标识符可以为任意长度。 </a:t>
-            </a:r>
-          </a:p>
-          <a:p>
-            <a:pPr marL="571500" indent="-571500" algn="ctr">
-              <a:lnSpc>
-                <a:spcPct val="150000"/>
-              </a:lnSpc>
-              <a:buFont typeface="Wingdings" pitchFamily="2" charset="2"/>
-              <a:buChar char="Ø"/>
-            </a:pPr>
-            <a:endParaRPr kumimoji="1" lang="zh-CN" altLang="en-US" sz="2800" dirty="0">
-              <a:latin typeface="Microsoft YaHei" panose="020B0503020204020204" pitchFamily="34" charset="-122"/>
-              <a:ea typeface="Microsoft YaHei" panose="020B0503020204020204" pitchFamily="34" charset="-122"/>
-            </a:endParaRPr>
-          </a:p>
-        </p:txBody>
-      </p:sp>
+      </p:pic>
     </p:spTree>
     <p:extLst>
       <p:ext uri="{BB962C8B-B14F-4D97-AF65-F5344CB8AC3E}">
@@ -7648,246 +5388,59 @@
                 <a:latin typeface="Microsoft YaHei" panose="020B0503020204020204" pitchFamily="34" charset="-122"/>
                 <a:ea typeface="Microsoft YaHei" panose="020B0503020204020204" pitchFamily="34" charset="-122"/>
               </a:rPr>
-              <a:t>Java</a:t>
+              <a:t>3.Do</a:t>
             </a:r>
             <a:r>
               <a:rPr kumimoji="1" lang="zh-CN" altLang="en-US" sz="4800" dirty="0">
                 <a:latin typeface="Microsoft YaHei" panose="020B0503020204020204" pitchFamily="34" charset="-122"/>
                 <a:ea typeface="Microsoft YaHei" panose="020B0503020204020204" pitchFamily="34" charset="-122"/>
               </a:rPr>
-              <a:t>命名的规则</a:t>
-            </a:r>
-          </a:p>
-        </p:txBody>
-      </p:sp>
-      <p:sp>
-        <p:nvSpPr>
-          <p:cNvPr id="3" name="文本框 2">
-            <a:extLst>
-              <a:ext uri="{FF2B5EF4-FFF2-40B4-BE49-F238E27FC236}">
-                <a16:creationId xmlns:a16="http://schemas.microsoft.com/office/drawing/2014/main" id="{C0CFBE9F-84F2-FE48-AC8E-D41196C42DBA}"/>
-              </a:ext>
-            </a:extLst>
-          </p:cNvPr>
-          <p:cNvSpPr txBox="1"/>
+              <a:t> </a:t>
+            </a:r>
+            <a:r>
+              <a:rPr kumimoji="1" lang="en-US" altLang="zh-CN" sz="4800" dirty="0">
+                <a:latin typeface="Microsoft YaHei" panose="020B0503020204020204" pitchFamily="34" charset="-122"/>
+                <a:ea typeface="Microsoft YaHei" panose="020B0503020204020204" pitchFamily="34" charset="-122"/>
+              </a:rPr>
+              <a:t>while</a:t>
+            </a:r>
+            <a:endParaRPr kumimoji="1" lang="zh-CN" altLang="en-US" sz="4800" dirty="0">
+              <a:latin typeface="Microsoft YaHei" panose="020B0503020204020204" pitchFamily="34" charset="-122"/>
+              <a:ea typeface="Microsoft YaHei" panose="020B0503020204020204" pitchFamily="34" charset="-122"/>
+            </a:endParaRPr>
+          </a:p>
+        </p:txBody>
+      </p:sp>
+      <p:pic>
+        <p:nvPicPr>
+          <p:cNvPr id="4" name="图片 3">
+            <a:extLst>
+              <a:ext uri="{FF2B5EF4-FFF2-40B4-BE49-F238E27FC236}">
+                <a16:creationId xmlns:a16="http://schemas.microsoft.com/office/drawing/2014/main" id="{90E1CAA9-0E8E-F247-980C-A22A0EF1E0D6}"/>
+              </a:ext>
+            </a:extLst>
+          </p:cNvPr>
+          <p:cNvPicPr>
+            <a:picLocks noChangeAspect="1"/>
+          </p:cNvPicPr>
           <p:nvPr/>
-        </p:nvSpPr>
+        </p:nvPicPr>
+        <p:blipFill>
+          <a:blip r:embed="rId4"/>
+          <a:stretch>
+            <a:fillRect/>
+          </a:stretch>
+        </p:blipFill>
         <p:spPr>
           <a:xfrm>
-            <a:off x="1731818" y="1953491"/>
-            <a:ext cx="10460182" cy="3309494"/>
+            <a:off x="2234234" y="2119973"/>
+            <a:ext cx="7725036" cy="3124348"/>
           </a:xfrm>
           <a:prstGeom prst="rect">
             <a:avLst/>
           </a:prstGeom>
-          <a:noFill/>
         </p:spPr>
-        <p:txBody>
-          <a:bodyPr wrap="square" rtlCol="0">
-            <a:spAutoFit/>
-          </a:bodyPr>
-          <a:lstStyle/>
-          <a:p>
-            <a:pPr marL="457200" indent="-457200">
-              <a:lnSpc>
-                <a:spcPct val="150000"/>
-              </a:lnSpc>
-              <a:buFont typeface="Arial" panose="020B0604020202020204" pitchFamily="34" charset="0"/>
-              <a:buChar char="•"/>
-            </a:pPr>
-            <a:r>
-              <a:rPr kumimoji="1" lang="zh-CN" altLang="en-US" sz="2800" dirty="0">
-                <a:latin typeface="Microsoft YaHei" panose="020B0503020204020204" pitchFamily="34" charset="-122"/>
-                <a:ea typeface="Microsoft YaHei" panose="020B0503020204020204" pitchFamily="34" charset="-122"/>
-              </a:rPr>
-              <a:t>包名：</a:t>
-            </a:r>
-            <a:r>
-              <a:rPr kumimoji="1" lang="en-US" altLang="zh-CN" sz="2800" dirty="0" err="1">
-                <a:latin typeface="Microsoft YaHei" panose="020B0503020204020204" pitchFamily="34" charset="-122"/>
-                <a:ea typeface="Microsoft YaHei" panose="020B0503020204020204" pitchFamily="34" charset="-122"/>
-              </a:rPr>
-              <a:t>xxxyyyzzz</a:t>
-            </a:r>
-            <a:r>
-              <a:rPr kumimoji="1" lang="zh-CN" altLang="en-US" sz="2800" dirty="0">
-                <a:latin typeface="Microsoft YaHei" panose="020B0503020204020204" pitchFamily="34" charset="-122"/>
-                <a:ea typeface="Microsoft YaHei" panose="020B0503020204020204" pitchFamily="34" charset="-122"/>
-              </a:rPr>
-              <a:t> ， 比如 </a:t>
-            </a:r>
-            <a:r>
-              <a:rPr kumimoji="1" lang="en-US" altLang="zh-CN" sz="2800" dirty="0" err="1">
-                <a:latin typeface="Microsoft YaHei" panose="020B0503020204020204" pitchFamily="34" charset="-122"/>
-                <a:ea typeface="Microsoft YaHei" panose="020B0503020204020204" pitchFamily="34" charset="-122"/>
-              </a:rPr>
-              <a:t>com.hmc.jianyan.me</a:t>
-            </a:r>
-            <a:endParaRPr kumimoji="1" lang="en-US" altLang="zh-CN" sz="2800" dirty="0">
-              <a:latin typeface="Microsoft YaHei" panose="020B0503020204020204" pitchFamily="34" charset="-122"/>
-              <a:ea typeface="Microsoft YaHei" panose="020B0503020204020204" pitchFamily="34" charset="-122"/>
-            </a:endParaRPr>
-          </a:p>
-          <a:p>
-            <a:pPr marL="457200" indent="-457200">
-              <a:lnSpc>
-                <a:spcPct val="150000"/>
-              </a:lnSpc>
-              <a:buFont typeface="Arial" panose="020B0604020202020204" pitchFamily="34" charset="0"/>
-              <a:buChar char="•"/>
-            </a:pPr>
-            <a:r>
-              <a:rPr kumimoji="1" lang="zh-CN" altLang="en-US" sz="2800" dirty="0">
-                <a:latin typeface="Microsoft YaHei" panose="020B0503020204020204" pitchFamily="34" charset="-122"/>
-                <a:ea typeface="Microsoft YaHei" panose="020B0503020204020204" pitchFamily="34" charset="-122"/>
-              </a:rPr>
-              <a:t>类名、接口名：</a:t>
-            </a:r>
-            <a:r>
-              <a:rPr kumimoji="1" lang="en-US" altLang="zh-CN" sz="2800" dirty="0" err="1">
-                <a:latin typeface="Microsoft YaHei" panose="020B0503020204020204" pitchFamily="34" charset="-122"/>
-                <a:ea typeface="Microsoft YaHei" panose="020B0503020204020204" pitchFamily="34" charset="-122"/>
-              </a:rPr>
-              <a:t>XxxYyyZzz</a:t>
-            </a:r>
-            <a:r>
-              <a:rPr kumimoji="1" lang="zh-CN" altLang="en-US" sz="2800" dirty="0">
-                <a:latin typeface="Microsoft YaHei" panose="020B0503020204020204" pitchFamily="34" charset="-122"/>
-                <a:ea typeface="Microsoft YaHei" panose="020B0503020204020204" pitchFamily="34" charset="-122"/>
-              </a:rPr>
-              <a:t>  比如：</a:t>
-            </a:r>
-            <a:r>
-              <a:rPr kumimoji="1" lang="en-US" altLang="zh-CN" sz="2800" dirty="0" err="1">
-                <a:latin typeface="Microsoft YaHei" panose="020B0503020204020204" pitchFamily="34" charset="-122"/>
-                <a:ea typeface="Microsoft YaHei" panose="020B0503020204020204" pitchFamily="34" charset="-122"/>
-              </a:rPr>
-              <a:t>HmcStudent</a:t>
-            </a:r>
-            <a:endParaRPr kumimoji="1" lang="en-US" altLang="zh-CN" sz="2800" dirty="0">
-              <a:latin typeface="Microsoft YaHei" panose="020B0503020204020204" pitchFamily="34" charset="-122"/>
-              <a:ea typeface="Microsoft YaHei" panose="020B0503020204020204" pitchFamily="34" charset="-122"/>
-            </a:endParaRPr>
-          </a:p>
-          <a:p>
-            <a:pPr marL="457200" indent="-457200">
-              <a:lnSpc>
-                <a:spcPct val="150000"/>
-              </a:lnSpc>
-              <a:buFont typeface="Arial" panose="020B0604020202020204" pitchFamily="34" charset="0"/>
-              <a:buChar char="•"/>
-            </a:pPr>
-            <a:r>
-              <a:rPr kumimoji="1" lang="zh-CN" altLang="en-US" sz="2800" dirty="0">
-                <a:latin typeface="Microsoft YaHei" panose="020B0503020204020204" pitchFamily="34" charset="-122"/>
-                <a:ea typeface="Microsoft YaHei" panose="020B0503020204020204" pitchFamily="34" charset="-122"/>
-              </a:rPr>
-              <a:t>变量名、方法名</a:t>
-            </a:r>
-            <a:r>
-              <a:rPr kumimoji="1" lang="en-US" altLang="zh-CN" sz="2800" dirty="0">
-                <a:latin typeface="Microsoft YaHei" panose="020B0503020204020204" pitchFamily="34" charset="-122"/>
-                <a:ea typeface="Microsoft YaHei" panose="020B0503020204020204" pitchFamily="34" charset="-122"/>
-              </a:rPr>
-              <a:t>(</a:t>
-            </a:r>
-            <a:r>
-              <a:rPr kumimoji="1" lang="zh-CN" altLang="en-US" sz="2800" dirty="0">
-                <a:latin typeface="Microsoft YaHei" panose="020B0503020204020204" pitchFamily="34" charset="-122"/>
-                <a:ea typeface="Microsoft YaHei" panose="020B0503020204020204" pitchFamily="34" charset="-122"/>
-              </a:rPr>
-              <a:t>驼峰法</a:t>
-            </a:r>
-            <a:r>
-              <a:rPr kumimoji="1" lang="en-US" altLang="zh-CN" sz="2800" dirty="0">
-                <a:latin typeface="Microsoft YaHei" panose="020B0503020204020204" pitchFamily="34" charset="-122"/>
-                <a:ea typeface="Microsoft YaHei" panose="020B0503020204020204" pitchFamily="34" charset="-122"/>
-              </a:rPr>
-              <a:t>)</a:t>
-            </a:r>
-            <a:r>
-              <a:rPr kumimoji="1" lang="zh-CN" altLang="en-US" sz="2800" dirty="0">
-                <a:latin typeface="Microsoft YaHei" panose="020B0503020204020204" pitchFamily="34" charset="-122"/>
-                <a:ea typeface="Microsoft YaHei" panose="020B0503020204020204" pitchFamily="34" charset="-122"/>
-              </a:rPr>
-              <a:t>：</a:t>
-            </a:r>
-            <a:r>
-              <a:rPr kumimoji="1" lang="en-US" altLang="zh-CN" sz="2800" dirty="0" err="1">
-                <a:latin typeface="Microsoft YaHei" panose="020B0503020204020204" pitchFamily="34" charset="-122"/>
-                <a:ea typeface="Microsoft YaHei" panose="020B0503020204020204" pitchFamily="34" charset="-122"/>
-              </a:rPr>
-              <a:t>xxxYyyZzz</a:t>
-            </a:r>
-            <a:r>
-              <a:rPr kumimoji="1" lang="zh-CN" altLang="en-US" sz="2800" dirty="0">
-                <a:latin typeface="Microsoft YaHei" panose="020B0503020204020204" pitchFamily="34" charset="-122"/>
-                <a:ea typeface="Microsoft YaHei" panose="020B0503020204020204" pitchFamily="34" charset="-122"/>
-              </a:rPr>
-              <a:t>    比如：  </a:t>
-            </a:r>
-            <a:r>
-              <a:rPr kumimoji="1" lang="en-US" altLang="zh-CN" sz="2800" dirty="0" err="1">
-                <a:latin typeface="Microsoft YaHei" panose="020B0503020204020204" pitchFamily="34" charset="-122"/>
-                <a:ea typeface="Microsoft YaHei" panose="020B0503020204020204" pitchFamily="34" charset="-122"/>
-              </a:rPr>
-              <a:t>lastYear</a:t>
-            </a:r>
-            <a:endParaRPr kumimoji="1" lang="en-US" altLang="zh-CN" sz="2800" dirty="0">
-              <a:latin typeface="Microsoft YaHei" panose="020B0503020204020204" pitchFamily="34" charset="-122"/>
-              <a:ea typeface="Microsoft YaHei" panose="020B0503020204020204" pitchFamily="34" charset="-122"/>
-            </a:endParaRPr>
-          </a:p>
-          <a:p>
-            <a:pPr marL="457200" indent="-457200">
-              <a:lnSpc>
-                <a:spcPct val="150000"/>
-              </a:lnSpc>
-              <a:buFont typeface="Arial" panose="020B0604020202020204" pitchFamily="34" charset="0"/>
-              <a:buChar char="•"/>
-            </a:pPr>
-            <a:r>
-              <a:rPr kumimoji="1" lang="zh-CN" altLang="en-US" sz="2800" dirty="0">
-                <a:latin typeface="Microsoft YaHei" panose="020B0503020204020204" pitchFamily="34" charset="-122"/>
-                <a:ea typeface="Microsoft YaHei" panose="020B0503020204020204" pitchFamily="34" charset="-122"/>
-              </a:rPr>
-              <a:t>常量名：</a:t>
-            </a:r>
-            <a:r>
-              <a:rPr kumimoji="1" lang="en-US" altLang="zh-CN" sz="2800" dirty="0">
-                <a:latin typeface="Microsoft YaHei" panose="020B0503020204020204" pitchFamily="34" charset="-122"/>
-                <a:ea typeface="Microsoft YaHei" panose="020B0503020204020204" pitchFamily="34" charset="-122"/>
-              </a:rPr>
-              <a:t>XXX_YYY_ZZZ,</a:t>
-            </a:r>
-            <a:r>
-              <a:rPr kumimoji="1" lang="zh-CN" altLang="en-US" sz="2800" dirty="0">
-                <a:latin typeface="Microsoft YaHei" panose="020B0503020204020204" pitchFamily="34" charset="-122"/>
-                <a:ea typeface="Microsoft YaHei" panose="020B0503020204020204" pitchFamily="34" charset="-122"/>
-              </a:rPr>
-              <a:t>  比如 </a:t>
-            </a:r>
-            <a:r>
-              <a:rPr kumimoji="1" lang="en-US" altLang="zh-CN" sz="2800" dirty="0">
-                <a:latin typeface="Microsoft YaHei" panose="020B0503020204020204" pitchFamily="34" charset="-122"/>
-                <a:ea typeface="Microsoft YaHei" panose="020B0503020204020204" pitchFamily="34" charset="-122"/>
-              </a:rPr>
-              <a:t>NUMER_OF_STUDENTS</a:t>
-            </a:r>
-          </a:p>
-          <a:p>
-            <a:pPr algn="ctr">
-              <a:lnSpc>
-                <a:spcPct val="150000"/>
-              </a:lnSpc>
-            </a:pPr>
-            <a:endParaRPr kumimoji="1" lang="zh-CN" altLang="en-US" sz="2800" dirty="0">
-              <a:latin typeface="Microsoft YaHei" panose="020B0503020204020204" pitchFamily="34" charset="-122"/>
-              <a:ea typeface="Microsoft YaHei" panose="020B0503020204020204" pitchFamily="34" charset="-122"/>
-            </a:endParaRPr>
-          </a:p>
-        </p:txBody>
-      </p:sp>
+      </p:pic>
     </p:spTree>
     <p:extLst>
       <p:ext uri="{BB962C8B-B14F-4D97-AF65-F5344CB8AC3E}">
@@ -7961,92 +5514,9 @@
                 <a:latin typeface="Microsoft YaHei" panose="020B0503020204020204" pitchFamily="34" charset="-122"/>
                 <a:ea typeface="Microsoft YaHei" panose="020B0503020204020204" pitchFamily="34" charset="-122"/>
               </a:rPr>
-              <a:t>3.1</a:t>
-            </a:r>
-            <a:r>
-              <a:rPr kumimoji="1" lang="zh-CN" altLang="en-US" sz="4800" dirty="0">
-                <a:latin typeface="Microsoft YaHei" panose="020B0503020204020204" pitchFamily="34" charset="-122"/>
-                <a:ea typeface="Microsoft YaHei" panose="020B0503020204020204" pitchFamily="34" charset="-122"/>
-              </a:rPr>
-              <a:t> 赋值语句和表达式</a:t>
-            </a:r>
-          </a:p>
-        </p:txBody>
-      </p:sp>
-      <p:sp>
-        <p:nvSpPr>
-          <p:cNvPr id="3" name="文本框 2">
-            <a:extLst>
-              <a:ext uri="{FF2B5EF4-FFF2-40B4-BE49-F238E27FC236}">
-                <a16:creationId xmlns:a16="http://schemas.microsoft.com/office/drawing/2014/main" id="{C0CFBE9F-84F2-FE48-AC8E-D41196C42DBA}"/>
-              </a:ext>
-            </a:extLst>
-          </p:cNvPr>
-          <p:cNvSpPr txBox="1"/>
-          <p:nvPr/>
-        </p:nvSpPr>
-        <p:spPr>
-          <a:xfrm>
-            <a:off x="1246430" y="2630417"/>
-            <a:ext cx="11107608" cy="1955151"/>
-          </a:xfrm>
-          <a:prstGeom prst="rect">
-            <a:avLst/>
-          </a:prstGeom>
-          <a:noFill/>
-        </p:spPr>
-        <p:txBody>
-          <a:bodyPr wrap="square" rtlCol="0">
-            <a:spAutoFit/>
-          </a:bodyPr>
-          <a:lstStyle/>
-          <a:p>
-            <a:pPr>
-              <a:lnSpc>
-                <a:spcPct val="150000"/>
-              </a:lnSpc>
-            </a:pPr>
-            <a:r>
-              <a:rPr lang="zh-CN" altLang="en-US" sz="2800" dirty="0"/>
-              <a:t>简单赋值语句格式：</a:t>
-            </a:r>
-            <a:endParaRPr lang="en-US" altLang="zh-CN" sz="2800" dirty="0"/>
-          </a:p>
-          <a:p>
-            <a:pPr>
-              <a:lnSpc>
-                <a:spcPct val="150000"/>
-              </a:lnSpc>
-            </a:pPr>
-            <a:r>
-              <a:rPr lang="en-US" altLang="zh-CN" sz="2800" dirty="0"/>
-              <a:t>	variable </a:t>
-            </a:r>
-            <a:r>
-              <a:rPr lang="zh-CN" altLang="en-US" sz="2800" dirty="0"/>
-              <a:t> </a:t>
-            </a:r>
-            <a:r>
-              <a:rPr lang="en-US" altLang="zh-CN" sz="2800" dirty="0"/>
-              <a:t>=</a:t>
-            </a:r>
-            <a:r>
-              <a:rPr lang="zh-CN" altLang="en-US" sz="2800" dirty="0"/>
-              <a:t> </a:t>
-            </a:r>
-            <a:r>
-              <a:rPr lang="en-US" altLang="zh-CN" sz="2800" dirty="0"/>
-              <a:t>expression; </a:t>
-            </a:r>
-            <a:endParaRPr lang="zh-CN" altLang="en-US" sz="2800" dirty="0"/>
-          </a:p>
-          <a:p>
-            <a:pPr>
-              <a:lnSpc>
-                <a:spcPct val="150000"/>
-              </a:lnSpc>
-            </a:pPr>
-            <a:endParaRPr kumimoji="1" lang="en-US" altLang="zh-CN" sz="2800" dirty="0">
+              <a:t>3.for</a:t>
+            </a:r>
+            <a:endParaRPr kumimoji="1" lang="zh-CN" altLang="en-US" sz="4800" dirty="0">
               <a:latin typeface="Microsoft YaHei" panose="020B0503020204020204" pitchFamily="34" charset="-122"/>
               <a:ea typeface="Microsoft YaHei" panose="020B0503020204020204" pitchFamily="34" charset="-122"/>
             </a:endParaRPr>
@@ -8055,10 +5525,10 @@
       </p:sp>
       <p:pic>
         <p:nvPicPr>
-          <p:cNvPr id="7" name="图片 6">
-            <a:extLst>
-              <a:ext uri="{FF2B5EF4-FFF2-40B4-BE49-F238E27FC236}">
-                <a16:creationId xmlns:a16="http://schemas.microsoft.com/office/drawing/2014/main" id="{335AF768-7A27-EE49-BBA8-FBA0E73DDC94}"/>
+          <p:cNvPr id="4" name="图片 3">
+            <a:extLst>
+              <a:ext uri="{FF2B5EF4-FFF2-40B4-BE49-F238E27FC236}">
+                <a16:creationId xmlns:a16="http://schemas.microsoft.com/office/drawing/2014/main" id="{A40CDBC6-5D43-7C46-B1DA-DF815E118297}"/>
               </a:ext>
             </a:extLst>
           </p:cNvPr>
@@ -8075,8 +5545,8 @@
         </p:blipFill>
         <p:spPr>
           <a:xfrm>
-            <a:off x="1599721" y="4515326"/>
-            <a:ext cx="6414078" cy="2036517"/>
+            <a:off x="1088849" y="2598184"/>
+            <a:ext cx="11103151" cy="2739360"/>
           </a:xfrm>
           <a:prstGeom prst="rect">
             <a:avLst/>
@@ -8156,64 +5626,31 @@
                 <a:latin typeface="Microsoft YaHei" panose="020B0503020204020204" pitchFamily="34" charset="-122"/>
                 <a:ea typeface="Microsoft YaHei" panose="020B0503020204020204" pitchFamily="34" charset="-122"/>
               </a:rPr>
-              <a:t>3.1</a:t>
-            </a:r>
-            <a:r>
-              <a:rPr kumimoji="1" lang="zh-CN" altLang="en-US" sz="4800" dirty="0">
-                <a:latin typeface="Microsoft YaHei" panose="020B0503020204020204" pitchFamily="34" charset="-122"/>
-                <a:ea typeface="Microsoft YaHei" panose="020B0503020204020204" pitchFamily="34" charset="-122"/>
-              </a:rPr>
-              <a:t> 快捷赋值操作</a:t>
-            </a:r>
-          </a:p>
-        </p:txBody>
-      </p:sp>
-      <p:pic>
-        <p:nvPicPr>
-          <p:cNvPr id="5" name="图片 4">
-            <a:extLst>
-              <a:ext uri="{FF2B5EF4-FFF2-40B4-BE49-F238E27FC236}">
-                <a16:creationId xmlns:a16="http://schemas.microsoft.com/office/drawing/2014/main" id="{9B084D0A-4BA3-1448-B6DC-D8BFB9A98346}"/>
-              </a:ext>
-            </a:extLst>
-          </p:cNvPr>
-          <p:cNvPicPr>
-            <a:picLocks noChangeAspect="1"/>
-          </p:cNvPicPr>
+              <a:t>4.foreach</a:t>
+            </a:r>
+            <a:endParaRPr kumimoji="1" lang="zh-CN" altLang="en-US" sz="4800" dirty="0">
+              <a:latin typeface="Microsoft YaHei" panose="020B0503020204020204" pitchFamily="34" charset="-122"/>
+              <a:ea typeface="Microsoft YaHei" panose="020B0503020204020204" pitchFamily="34" charset="-122"/>
+            </a:endParaRPr>
+          </a:p>
+        </p:txBody>
+      </p:sp>
+      <p:sp>
+        <p:nvSpPr>
+          <p:cNvPr id="8" name="文本框 7">
+            <a:extLst>
+              <a:ext uri="{FF2B5EF4-FFF2-40B4-BE49-F238E27FC236}">
+                <a16:creationId xmlns:a16="http://schemas.microsoft.com/office/drawing/2014/main" id="{466C8B27-F65E-6246-BBE8-97C9A509BA4E}"/>
+              </a:ext>
+            </a:extLst>
+          </p:cNvPr>
+          <p:cNvSpPr txBox="1"/>
           <p:nvPr/>
-        </p:nvPicPr>
-        <p:blipFill>
-          <a:blip r:embed="rId4"/>
-          <a:stretch>
-            <a:fillRect/>
-          </a:stretch>
-        </p:blipFill>
+        </p:nvSpPr>
         <p:spPr>
           <a:xfrm>
-            <a:off x="1" y="2805544"/>
-            <a:ext cx="12136564" cy="2494973"/>
-          </a:xfrm>
-          <a:prstGeom prst="rect">
-            <a:avLst/>
-          </a:prstGeom>
-        </p:spPr>
-      </p:pic>
-      <p:sp>
-        <p:nvSpPr>
-          <p:cNvPr id="8" name="文本框 7">
-            <a:extLst>
-              <a:ext uri="{FF2B5EF4-FFF2-40B4-BE49-F238E27FC236}">
-                <a16:creationId xmlns:a16="http://schemas.microsoft.com/office/drawing/2014/main" id="{466C8B27-F65E-6246-BBE8-97C9A509BA4E}"/>
-              </a:ext>
-            </a:extLst>
-          </p:cNvPr>
-          <p:cNvSpPr txBox="1"/>
-          <p:nvPr/>
-        </p:nvSpPr>
-        <p:spPr>
-          <a:xfrm>
-            <a:off x="2618182" y="5922818"/>
-            <a:ext cx="7149274" cy="523220"/>
+            <a:off x="2234234" y="2613116"/>
+            <a:ext cx="7149274" cy="1384995"/>
           </a:xfrm>
           <a:prstGeom prst="rect">
             <a:avLst/>
@@ -8236,7 +5673,7 @@
                 <a:latin typeface="Microsoft YaHei" panose="020B0503020204020204" pitchFamily="34" charset="-122"/>
                 <a:ea typeface="Microsoft YaHei" panose="020B0503020204020204" pitchFamily="34" charset="-122"/>
               </a:rPr>
-              <a:t>还有 自增</a:t>
+              <a:t>这是 </a:t>
             </a:r>
             <a:r>
               <a:rPr kumimoji="1" lang="en-US" altLang="zh-CN" sz="2800" dirty="0">
@@ -8246,7 +5683,7 @@
                 <a:latin typeface="Microsoft YaHei" panose="020B0503020204020204" pitchFamily="34" charset="-122"/>
                 <a:ea typeface="Microsoft YaHei" panose="020B0503020204020204" pitchFamily="34" charset="-122"/>
               </a:rPr>
-              <a:t>/</a:t>
+              <a:t>for</a:t>
             </a:r>
             <a:r>
               <a:rPr kumimoji="1" lang="zh-CN" altLang="en-US" sz="2800" dirty="0">
@@ -8256,28 +5693,17 @@
                 <a:latin typeface="Microsoft YaHei" panose="020B0503020204020204" pitchFamily="34" charset="-122"/>
                 <a:ea typeface="Microsoft YaHei" panose="020B0503020204020204" pitchFamily="34" charset="-122"/>
               </a:rPr>
-              <a:t>自减 ：  </a:t>
-            </a:r>
-            <a:r>
-              <a:rPr kumimoji="1" lang="en-US" altLang="zh-CN" sz="2800" dirty="0" err="1">
-                <a:solidFill>
-                  <a:schemeClr val="bg1"/>
-                </a:solidFill>
-                <a:latin typeface="Microsoft YaHei" panose="020B0503020204020204" pitchFamily="34" charset="-122"/>
-                <a:ea typeface="Microsoft YaHei" panose="020B0503020204020204" pitchFamily="34" charset="-122"/>
-              </a:rPr>
-              <a:t>i</a:t>
-            </a:r>
-            <a:r>
-              <a:rPr kumimoji="1" lang="en-US" altLang="zh-CN" sz="2800" dirty="0">
-                <a:solidFill>
-                  <a:schemeClr val="bg1"/>
-                </a:solidFill>
-                <a:latin typeface="Microsoft YaHei" panose="020B0503020204020204" pitchFamily="34" charset="-122"/>
-                <a:ea typeface="Microsoft YaHei" panose="020B0503020204020204" pitchFamily="34" charset="-122"/>
-              </a:rPr>
-              <a:t>++,</a:t>
-            </a:r>
+              <a:t> 额外的用法，书上没怎么讲，但这个用法很好，我们要超越教材。</a:t>
+            </a:r>
+            <a:endParaRPr kumimoji="1" lang="en-US" altLang="zh-CN" sz="2800" dirty="0">
+              <a:solidFill>
+                <a:schemeClr val="bg1"/>
+              </a:solidFill>
+              <a:latin typeface="Microsoft YaHei" panose="020B0503020204020204" pitchFamily="34" charset="-122"/>
+              <a:ea typeface="Microsoft YaHei" panose="020B0503020204020204" pitchFamily="34" charset="-122"/>
+            </a:endParaRPr>
+          </a:p>
+          <a:p>
             <a:r>
               <a:rPr kumimoji="1" lang="zh-CN" altLang="en-US" sz="2800" dirty="0">
                 <a:solidFill>
@@ -8286,105 +5712,8 @@
                 <a:latin typeface="Microsoft YaHei" panose="020B0503020204020204" pitchFamily="34" charset="-122"/>
                 <a:ea typeface="Microsoft YaHei" panose="020B0503020204020204" pitchFamily="34" charset="-122"/>
               </a:rPr>
-              <a:t> </a:t>
-            </a:r>
-            <a:r>
-              <a:rPr kumimoji="1" lang="en-US" altLang="zh-CN" sz="2800" dirty="0">
-                <a:solidFill>
-                  <a:schemeClr val="bg1"/>
-                </a:solidFill>
-                <a:latin typeface="Microsoft YaHei" panose="020B0503020204020204" pitchFamily="34" charset="-122"/>
-                <a:ea typeface="Microsoft YaHei" panose="020B0503020204020204" pitchFamily="34" charset="-122"/>
-              </a:rPr>
-              <a:t>++</a:t>
-            </a:r>
-            <a:r>
-              <a:rPr kumimoji="1" lang="en-US" altLang="zh-CN" sz="2800" dirty="0" err="1">
-                <a:solidFill>
-                  <a:schemeClr val="bg1"/>
-                </a:solidFill>
-                <a:latin typeface="Microsoft YaHei" panose="020B0503020204020204" pitchFamily="34" charset="-122"/>
-                <a:ea typeface="Microsoft YaHei" panose="020B0503020204020204" pitchFamily="34" charset="-122"/>
-              </a:rPr>
-              <a:t>i</a:t>
-            </a:r>
-            <a:r>
-              <a:rPr kumimoji="1" lang="en-US" altLang="zh-CN" sz="2800" dirty="0">
-                <a:solidFill>
-                  <a:schemeClr val="bg1"/>
-                </a:solidFill>
-                <a:latin typeface="Microsoft YaHei" panose="020B0503020204020204" pitchFamily="34" charset="-122"/>
-                <a:ea typeface="Microsoft YaHei" panose="020B0503020204020204" pitchFamily="34" charset="-122"/>
-              </a:rPr>
-              <a:t>,</a:t>
-            </a:r>
-            <a:r>
-              <a:rPr kumimoji="1" lang="zh-CN" altLang="en-US" sz="2800" dirty="0">
-                <a:solidFill>
-                  <a:schemeClr val="bg1"/>
-                </a:solidFill>
-                <a:latin typeface="Microsoft YaHei" panose="020B0503020204020204" pitchFamily="34" charset="-122"/>
-                <a:ea typeface="Microsoft YaHei" panose="020B0503020204020204" pitchFamily="34" charset="-122"/>
-              </a:rPr>
-              <a:t> </a:t>
-            </a:r>
-            <a:r>
-              <a:rPr kumimoji="1" lang="en-US" altLang="zh-CN" sz="2800" dirty="0" err="1">
-                <a:solidFill>
-                  <a:schemeClr val="bg1"/>
-                </a:solidFill>
-                <a:latin typeface="Microsoft YaHei" panose="020B0503020204020204" pitchFamily="34" charset="-122"/>
-                <a:ea typeface="Microsoft YaHei" panose="020B0503020204020204" pitchFamily="34" charset="-122"/>
-              </a:rPr>
-              <a:t>i</a:t>
-            </a:r>
-            <a:r>
-              <a:rPr kumimoji="1" lang="en-US" altLang="zh-CN" sz="2800" dirty="0">
-                <a:solidFill>
-                  <a:schemeClr val="bg1"/>
-                </a:solidFill>
-                <a:latin typeface="Microsoft YaHei" panose="020B0503020204020204" pitchFamily="34" charset="-122"/>
-                <a:ea typeface="Microsoft YaHei" panose="020B0503020204020204" pitchFamily="34" charset="-122"/>
-              </a:rPr>
-              <a:t>--,</a:t>
-            </a:r>
-            <a:r>
-              <a:rPr kumimoji="1" lang="zh-CN" altLang="en-US" sz="2800" dirty="0">
-                <a:solidFill>
-                  <a:schemeClr val="bg1"/>
-                </a:solidFill>
-                <a:latin typeface="Microsoft YaHei" panose="020B0503020204020204" pitchFamily="34" charset="-122"/>
-                <a:ea typeface="Microsoft YaHei" panose="020B0503020204020204" pitchFamily="34" charset="-122"/>
-              </a:rPr>
-              <a:t> </a:t>
-            </a:r>
-            <a:r>
-              <a:rPr kumimoji="1" lang="en-US" altLang="zh-CN" sz="2800" dirty="0">
-                <a:solidFill>
-                  <a:schemeClr val="bg1"/>
-                </a:solidFill>
-                <a:latin typeface="Microsoft YaHei" panose="020B0503020204020204" pitchFamily="34" charset="-122"/>
-                <a:ea typeface="Microsoft YaHei" panose="020B0503020204020204" pitchFamily="34" charset="-122"/>
-              </a:rPr>
-              <a:t>--</a:t>
-            </a:r>
-            <a:r>
-              <a:rPr kumimoji="1" lang="en-US" altLang="zh-CN" sz="2800" dirty="0" err="1">
-                <a:solidFill>
-                  <a:schemeClr val="bg1"/>
-                </a:solidFill>
-                <a:latin typeface="Microsoft YaHei" panose="020B0503020204020204" pitchFamily="34" charset="-122"/>
-                <a:ea typeface="Microsoft YaHei" panose="020B0503020204020204" pitchFamily="34" charset="-122"/>
-              </a:rPr>
-              <a:t>i</a:t>
-            </a:r>
-            <a:endParaRPr kumimoji="1" lang="zh-CN" altLang="en-US" sz="2800" dirty="0">
-              <a:solidFill>
-                <a:schemeClr val="bg1"/>
-              </a:solidFill>
-              <a:latin typeface="Microsoft YaHei" panose="020B0503020204020204" pitchFamily="34" charset="-122"/>
-              <a:ea typeface="Microsoft YaHei" panose="020B0503020204020204" pitchFamily="34" charset="-122"/>
-            </a:endParaRPr>
+              <a:t>上代码！！！</a:t>
+            </a:r>
           </a:p>
         </p:txBody>
       </p:sp>
@@ -8441,8 +5770,8 @@
         </p:nvSpPr>
         <p:spPr>
           <a:xfrm>
-            <a:off x="2234234" y="597430"/>
-            <a:ext cx="9132000" cy="830997"/>
+            <a:off x="2228088" y="2921168"/>
+            <a:ext cx="7735824" cy="1015663"/>
           </a:xfrm>
           <a:prstGeom prst="rect">
             <a:avLst/>
@@ -8457,83 +5786,11 @@
           <a:p>
             <a:pPr algn="ctr"/>
             <a:r>
-              <a:rPr kumimoji="1" lang="en-US" altLang="zh-CN" sz="4800" dirty="0">
+              <a:rPr kumimoji="1" lang="zh-CN" altLang="en-US" sz="6000" dirty="0">
                 <a:latin typeface="Microsoft YaHei" panose="020B0503020204020204" pitchFamily="34" charset="-122"/>
                 <a:ea typeface="Microsoft YaHei" panose="020B0503020204020204" pitchFamily="34" charset="-122"/>
               </a:rPr>
-              <a:t>4.1</a:t>
-            </a:r>
-            <a:r>
-              <a:rPr kumimoji="1" lang="zh-CN" altLang="en-US" sz="4800" dirty="0">
-                <a:latin typeface="Microsoft YaHei" panose="020B0503020204020204" pitchFamily="34" charset="-122"/>
-                <a:ea typeface="Microsoft YaHei" panose="020B0503020204020204" pitchFamily="34" charset="-122"/>
-              </a:rPr>
-              <a:t> 数值类型</a:t>
-            </a:r>
-          </a:p>
-        </p:txBody>
-      </p:sp>
-      <p:pic>
-        <p:nvPicPr>
-          <p:cNvPr id="5" name="图片 4">
-            <a:extLst>
-              <a:ext uri="{FF2B5EF4-FFF2-40B4-BE49-F238E27FC236}">
-                <a16:creationId xmlns:a16="http://schemas.microsoft.com/office/drawing/2014/main" id="{79EF5976-0DD8-3A46-B211-E7A4AB2173D2}"/>
-              </a:ext>
-            </a:extLst>
-          </p:cNvPr>
-          <p:cNvPicPr>
-            <a:picLocks noChangeAspect="1"/>
-          </p:cNvPicPr>
-          <p:nvPr/>
-        </p:nvPicPr>
-        <p:blipFill>
-          <a:blip r:embed="rId4"/>
-          <a:stretch>
-            <a:fillRect/>
-          </a:stretch>
-        </p:blipFill>
-        <p:spPr>
-          <a:xfrm>
-            <a:off x="674254" y="3021236"/>
-            <a:ext cx="11294687" cy="3052618"/>
-          </a:xfrm>
-          <a:prstGeom prst="rect">
-            <a:avLst/>
-          </a:prstGeom>
-        </p:spPr>
-      </p:pic>
-      <p:sp>
-        <p:nvSpPr>
-          <p:cNvPr id="6" name="文本框 5">
-            <a:extLst>
-              <a:ext uri="{FF2B5EF4-FFF2-40B4-BE49-F238E27FC236}">
-                <a16:creationId xmlns:a16="http://schemas.microsoft.com/office/drawing/2014/main" id="{3BA08025-CDA1-7A46-B64A-463E93D860B9}"/>
-              </a:ext>
-            </a:extLst>
-          </p:cNvPr>
-          <p:cNvSpPr txBox="1"/>
-          <p:nvPr/>
-        </p:nvSpPr>
-        <p:spPr>
-          <a:xfrm>
-            <a:off x="1069108" y="1787236"/>
-            <a:ext cx="3502892" cy="523220"/>
-          </a:xfrm>
-          <a:prstGeom prst="rect">
-            <a:avLst/>
-          </a:prstGeom>
-          <a:noFill/>
-        </p:spPr>
-        <p:txBody>
-          <a:bodyPr wrap="square" rtlCol="0">
-            <a:spAutoFit/>
-          </a:bodyPr>
-          <a:lstStyle/>
-          <a:p>
-            <a:r>
-              <a:rPr kumimoji="1" lang="zh-CN" altLang="en-US" sz="2800" dirty="0"/>
-              <a:t>常用数据类型</a:t>
+              <a:t>这堂课我们学了什么？</a:t>
             </a:r>
           </a:p>
         </p:txBody>
@@ -8541,7 +5798,7 @@
     </p:spTree>
     <p:extLst>
       <p:ext uri="{BB962C8B-B14F-4D97-AF65-F5344CB8AC3E}">
-        <p14:creationId xmlns:p14="http://schemas.microsoft.com/office/powerpoint/2010/main" val="1542873552"/>
+        <p14:creationId xmlns:p14="http://schemas.microsoft.com/office/powerpoint/2010/main" val="3338372476"/>
       </p:ext>
     </p:extLst>
   </p:cSld>
@@ -8556,9 +5813,14 @@
   <p:cSld>
     <p:bg>
       <p:bgPr>
-        <a:blipFill>
-          <a:blip r:embed="rId3"/>
-          <a:tile tx="0" ty="0" sx="100000" sy="100000" flip="none" algn="tl"/>
+        <a:blipFill dpi="0" rotWithShape="1">
+          <a:blip r:embed="rId3">
+            <a:lum/>
+          </a:blip>
+          <a:srcRect/>
+          <a:stretch>
+            <a:fillRect/>
+          </a:stretch>
         </a:blipFill>
         <a:effectLst/>
       </p:bgPr>
@@ -8577,121 +5839,10 @@
           <a:chExt cx="0" cy="0"/>
         </a:xfrm>
       </p:grpSpPr>
-      <p:sp>
-        <p:nvSpPr>
-          <p:cNvPr id="2" name="文本框 1">
-            <a:extLst>
-              <a:ext uri="{FF2B5EF4-FFF2-40B4-BE49-F238E27FC236}">
-                <a16:creationId xmlns:a16="http://schemas.microsoft.com/office/drawing/2014/main" id="{12AA8BCC-7B15-4842-80C2-48C079429338}"/>
-              </a:ext>
-            </a:extLst>
-          </p:cNvPr>
-          <p:cNvSpPr txBox="1"/>
-          <p:nvPr/>
-        </p:nvSpPr>
-        <p:spPr>
-          <a:xfrm>
-            <a:off x="2234234" y="597430"/>
-            <a:ext cx="9132000" cy="830997"/>
-          </a:xfrm>
-          <a:prstGeom prst="rect">
-            <a:avLst/>
-          </a:prstGeom>
-          <a:noFill/>
-        </p:spPr>
-        <p:txBody>
-          <a:bodyPr wrap="square" rtlCol="0">
-            <a:spAutoFit/>
-          </a:bodyPr>
-          <a:lstStyle/>
-          <a:p>
-            <a:pPr algn="ctr"/>
-            <a:r>
-              <a:rPr kumimoji="1" lang="en-US" altLang="zh-CN" sz="4800" dirty="0">
-                <a:latin typeface="Microsoft YaHei" panose="020B0503020204020204" pitchFamily="34" charset="-122"/>
-                <a:ea typeface="Microsoft YaHei" panose="020B0503020204020204" pitchFamily="34" charset="-122"/>
-              </a:rPr>
-              <a:t>4.2</a:t>
-            </a:r>
-            <a:r>
-              <a:rPr kumimoji="1" lang="zh-CN" altLang="en-US" sz="4800" dirty="0">
-                <a:latin typeface="Microsoft YaHei" panose="020B0503020204020204" pitchFamily="34" charset="-122"/>
-                <a:ea typeface="Microsoft YaHei" panose="020B0503020204020204" pitchFamily="34" charset="-122"/>
-              </a:rPr>
-              <a:t> 数据操作</a:t>
-            </a:r>
-          </a:p>
-        </p:txBody>
-      </p:sp>
-      <p:sp>
-        <p:nvSpPr>
-          <p:cNvPr id="6" name="文本框 5">
-            <a:extLst>
-              <a:ext uri="{FF2B5EF4-FFF2-40B4-BE49-F238E27FC236}">
-                <a16:creationId xmlns:a16="http://schemas.microsoft.com/office/drawing/2014/main" id="{3BA08025-CDA1-7A46-B64A-463E93D860B9}"/>
-              </a:ext>
-            </a:extLst>
-          </p:cNvPr>
-          <p:cNvSpPr txBox="1"/>
-          <p:nvPr/>
-        </p:nvSpPr>
-        <p:spPr>
-          <a:xfrm>
-            <a:off x="1069108" y="1787236"/>
-            <a:ext cx="3502892" cy="523220"/>
-          </a:xfrm>
-          <a:prstGeom prst="rect">
-            <a:avLst/>
-          </a:prstGeom>
-          <a:noFill/>
-        </p:spPr>
-        <p:txBody>
-          <a:bodyPr wrap="square" rtlCol="0">
-            <a:spAutoFit/>
-          </a:bodyPr>
-          <a:lstStyle/>
-          <a:p>
-            <a:r>
-              <a:rPr kumimoji="1" lang="zh-CN" altLang="en-US" sz="2800" dirty="0"/>
-              <a:t>常用数据类型</a:t>
-            </a:r>
-          </a:p>
-        </p:txBody>
-      </p:sp>
-      <p:pic>
-        <p:nvPicPr>
-          <p:cNvPr id="4" name="图片 3">
-            <a:extLst>
-              <a:ext uri="{FF2B5EF4-FFF2-40B4-BE49-F238E27FC236}">
-                <a16:creationId xmlns:a16="http://schemas.microsoft.com/office/drawing/2014/main" id="{01744057-0653-7A4B-A5E8-09B3124F82BD}"/>
-              </a:ext>
-            </a:extLst>
-          </p:cNvPr>
-          <p:cNvPicPr>
-            <a:picLocks noChangeAspect="1"/>
-          </p:cNvPicPr>
-          <p:nvPr/>
-        </p:nvPicPr>
-        <p:blipFill>
-          <a:blip r:embed="rId4"/>
-          <a:stretch>
-            <a:fillRect/>
-          </a:stretch>
-        </p:blipFill>
-        <p:spPr>
-          <a:xfrm>
-            <a:off x="0" y="2995439"/>
-            <a:ext cx="12192000" cy="1839495"/>
-          </a:xfrm>
-          <a:prstGeom prst="rect">
-            <a:avLst/>
-          </a:prstGeom>
-        </p:spPr>
-      </p:pic>
     </p:spTree>
     <p:extLst>
       <p:ext uri="{BB962C8B-B14F-4D97-AF65-F5344CB8AC3E}">
-        <p14:creationId xmlns:p14="http://schemas.microsoft.com/office/powerpoint/2010/main" val="3554362694"/>
+        <p14:creationId xmlns:p14="http://schemas.microsoft.com/office/powerpoint/2010/main" val="2902933304"/>
       </p:ext>
     </p:extLst>
   </p:cSld>
